--- a/1-2.如何成為一位稱職的大學生.pptx
+++ b/1-2.如何成為一位稱職的大學生.pptx
@@ -200,7 +200,7 @@
           <a:p>
             <a:fld id="{31A8676C-D457-4A0B-9C91-83939419494E}" type="datetimeFigureOut">
               <a:rPr lang="zh-TW" altLang="en-US" smtClean="0"/>
-              <a:t>2025/8/16</a:t>
+              <a:t>2025/9/4</a:t>
             </a:fld>
             <a:endParaRPr lang="zh-TW" altLang="en-US"/>
           </a:p>
@@ -599,7 +599,7 @@
           <a:p>
             <a:fld id="{6930F9A4-4469-4216-8732-74830AAB3356}" type="datetimeFigureOut">
               <a:rPr lang="zh-TW" altLang="en-US" smtClean="0"/>
-              <a:t>2025/8/16</a:t>
+              <a:t>2025/9/4</a:t>
             </a:fld>
             <a:endParaRPr lang="zh-TW" altLang="en-US"/>
           </a:p>
@@ -769,7 +769,7 @@
           <a:p>
             <a:fld id="{6930F9A4-4469-4216-8732-74830AAB3356}" type="datetimeFigureOut">
               <a:rPr lang="zh-TW" altLang="en-US" smtClean="0"/>
-              <a:t>2025/8/16</a:t>
+              <a:t>2025/9/4</a:t>
             </a:fld>
             <a:endParaRPr lang="zh-TW" altLang="en-US"/>
           </a:p>
@@ -949,7 +949,7 @@
           <a:p>
             <a:fld id="{6930F9A4-4469-4216-8732-74830AAB3356}" type="datetimeFigureOut">
               <a:rPr lang="zh-TW" altLang="en-US" smtClean="0"/>
-              <a:t>2025/8/16</a:t>
+              <a:t>2025/9/4</a:t>
             </a:fld>
             <a:endParaRPr lang="zh-TW" altLang="en-US"/>
           </a:p>
@@ -1119,7 +1119,7 @@
           <a:p>
             <a:fld id="{6930F9A4-4469-4216-8732-74830AAB3356}" type="datetimeFigureOut">
               <a:rPr lang="zh-TW" altLang="en-US" smtClean="0"/>
-              <a:t>2025/8/16</a:t>
+              <a:t>2025/9/4</a:t>
             </a:fld>
             <a:endParaRPr lang="zh-TW" altLang="en-US"/>
           </a:p>
@@ -1365,7 +1365,7 @@
           <a:p>
             <a:fld id="{6930F9A4-4469-4216-8732-74830AAB3356}" type="datetimeFigureOut">
               <a:rPr lang="zh-TW" altLang="en-US" smtClean="0"/>
-              <a:t>2025/8/16</a:t>
+              <a:t>2025/9/4</a:t>
             </a:fld>
             <a:endParaRPr lang="zh-TW" altLang="en-US"/>
           </a:p>
@@ -1597,7 +1597,7 @@
           <a:p>
             <a:fld id="{6930F9A4-4469-4216-8732-74830AAB3356}" type="datetimeFigureOut">
               <a:rPr lang="zh-TW" altLang="en-US" smtClean="0"/>
-              <a:t>2025/8/16</a:t>
+              <a:t>2025/9/4</a:t>
             </a:fld>
             <a:endParaRPr lang="zh-TW" altLang="en-US"/>
           </a:p>
@@ -1964,7 +1964,7 @@
           <a:p>
             <a:fld id="{6930F9A4-4469-4216-8732-74830AAB3356}" type="datetimeFigureOut">
               <a:rPr lang="zh-TW" altLang="en-US" smtClean="0"/>
-              <a:t>2025/8/16</a:t>
+              <a:t>2025/9/4</a:t>
             </a:fld>
             <a:endParaRPr lang="zh-TW" altLang="en-US"/>
           </a:p>
@@ -2082,7 +2082,7 @@
           <a:p>
             <a:fld id="{6930F9A4-4469-4216-8732-74830AAB3356}" type="datetimeFigureOut">
               <a:rPr lang="zh-TW" altLang="en-US" smtClean="0"/>
-              <a:t>2025/8/16</a:t>
+              <a:t>2025/9/4</a:t>
             </a:fld>
             <a:endParaRPr lang="zh-TW" altLang="en-US"/>
           </a:p>
@@ -2177,7 +2177,7 @@
           <a:p>
             <a:fld id="{6930F9A4-4469-4216-8732-74830AAB3356}" type="datetimeFigureOut">
               <a:rPr lang="zh-TW" altLang="en-US" smtClean="0"/>
-              <a:t>2025/8/16</a:t>
+              <a:t>2025/9/4</a:t>
             </a:fld>
             <a:endParaRPr lang="zh-TW" altLang="en-US"/>
           </a:p>
@@ -2454,7 +2454,7 @@
           <a:p>
             <a:fld id="{6930F9A4-4469-4216-8732-74830AAB3356}" type="datetimeFigureOut">
               <a:rPr lang="zh-TW" altLang="en-US" smtClean="0"/>
-              <a:t>2025/8/16</a:t>
+              <a:t>2025/9/4</a:t>
             </a:fld>
             <a:endParaRPr lang="zh-TW" altLang="en-US"/>
           </a:p>
@@ -2707,7 +2707,7 @@
           <a:p>
             <a:fld id="{6930F9A4-4469-4216-8732-74830AAB3356}" type="datetimeFigureOut">
               <a:rPr lang="zh-TW" altLang="en-US" smtClean="0"/>
-              <a:t>2025/8/16</a:t>
+              <a:t>2025/9/4</a:t>
             </a:fld>
             <a:endParaRPr lang="zh-TW" altLang="en-US"/>
           </a:p>
@@ -2920,7 +2920,7 @@
           <a:p>
             <a:fld id="{6930F9A4-4469-4216-8732-74830AAB3356}" type="datetimeFigureOut">
               <a:rPr lang="zh-TW" altLang="en-US" smtClean="0"/>
-              <a:t>2025/8/16</a:t>
+              <a:t>2025/9/4</a:t>
             </a:fld>
             <a:endParaRPr lang="zh-TW" altLang="en-US"/>
           </a:p>
@@ -3538,19 +3538,189 @@
         </p:spPr>
         <p:txBody>
           <a:bodyPr>
-            <a:normAutofit lnSpcReduction="10000"/>
+            <a:normAutofit fontScale="85000" lnSpcReduction="20000"/>
           </a:bodyPr>
           <a:lstStyle/>
           <a:p>
             <a:r>
-              <a:rPr lang="zh-TW" altLang="en-US" sz="3600" dirty="0" smtClean="0">
+              <a:rPr lang="zh-TW" altLang="en-US" sz="3600" dirty="0">
                 <a:solidFill>
                   <a:srgbClr val="0000FF"/>
                 </a:solidFill>
                 <a:latin typeface="標楷體" panose="03000509000000000000" pitchFamily="65" charset="-120"/>
                 <a:ea typeface="標楷體" panose="03000509000000000000" pitchFamily="65" charset="-120"/>
               </a:rPr>
-              <a:t>為什麼要唸大學</a:t>
+              <a:t>唸大學跟唸高中在實質及態度上會有什麼不同</a:t>
+            </a:r>
+            <a:endParaRPr lang="en-US" altLang="zh-TW" sz="3600" dirty="0">
+              <a:solidFill>
+                <a:srgbClr val="0000FF"/>
+              </a:solidFill>
+              <a:latin typeface="標楷體" panose="03000509000000000000" pitchFamily="65" charset="-120"/>
+              <a:ea typeface="標楷體" panose="03000509000000000000" pitchFamily="65" charset="-120"/>
+            </a:endParaRPr>
+          </a:p>
+          <a:p>
+            <a:pPr lvl="1"/>
+            <a:r>
+              <a:rPr lang="zh-TW" altLang="en-US" sz="2800" dirty="0" smtClean="0">
+                <a:latin typeface="標楷體" panose="03000509000000000000" pitchFamily="65" charset="-120"/>
+                <a:ea typeface="標楷體" panose="03000509000000000000" pitchFamily="65" charset="-120"/>
+              </a:rPr>
+              <a:t>高中以班級為學習核心，老師</a:t>
+            </a:r>
+            <a:r>
+              <a:rPr lang="zh-TW" altLang="en-US" sz="2800" dirty="0">
+                <a:latin typeface="標楷體" panose="03000509000000000000" pitchFamily="65" charset="-120"/>
+                <a:ea typeface="標楷體" panose="03000509000000000000" pitchFamily="65" charset="-120"/>
+              </a:rPr>
+              <a:t>與同學的節奏</a:t>
+            </a:r>
+            <a:r>
+              <a:rPr lang="zh-TW" altLang="en-US" sz="2800" dirty="0" smtClean="0">
+                <a:latin typeface="標楷體" panose="03000509000000000000" pitchFamily="65" charset="-120"/>
+                <a:ea typeface="標楷體" panose="03000509000000000000" pitchFamily="65" charset="-120"/>
+              </a:rPr>
+              <a:t>一致</a:t>
+            </a:r>
+            <a:endParaRPr lang="en-US" altLang="zh-TW" sz="2800" dirty="0" smtClean="0">
+              <a:latin typeface="標楷體" panose="03000509000000000000" pitchFamily="65" charset="-120"/>
+              <a:ea typeface="標楷體" panose="03000509000000000000" pitchFamily="65" charset="-120"/>
+            </a:endParaRPr>
+          </a:p>
+          <a:p>
+            <a:pPr lvl="1"/>
+            <a:r>
+              <a:rPr lang="zh-TW" altLang="en-US" sz="2800" dirty="0" smtClean="0">
+                <a:latin typeface="標楷體" panose="03000509000000000000" pitchFamily="65" charset="-120"/>
+                <a:ea typeface="標楷體" panose="03000509000000000000" pitchFamily="65" charset="-120"/>
+              </a:rPr>
+              <a:t>大學以個人為學習核心</a:t>
+            </a:r>
+            <a:endParaRPr lang="en-US" altLang="zh-TW" sz="2800" dirty="0" smtClean="0">
+              <a:latin typeface="標楷體" panose="03000509000000000000" pitchFamily="65" charset="-120"/>
+              <a:ea typeface="標楷體" panose="03000509000000000000" pitchFamily="65" charset="-120"/>
+            </a:endParaRPr>
+          </a:p>
+          <a:p>
+            <a:pPr lvl="2"/>
+            <a:r>
+              <a:rPr lang="zh-TW" altLang="en-US" sz="2400" dirty="0" smtClean="0">
+                <a:latin typeface="標楷體" panose="03000509000000000000" pitchFamily="65" charset="-120"/>
+                <a:ea typeface="標楷體" panose="03000509000000000000" pitchFamily="65" charset="-120"/>
+              </a:rPr>
+              <a:t>找到興趣</a:t>
+            </a:r>
+            <a:r>
+              <a:rPr lang="zh-TW" altLang="en-US" sz="2400" dirty="0" smtClean="0">
+                <a:latin typeface="PMingLiU" panose="02020500000000000000" pitchFamily="18" charset="-120"/>
+                <a:ea typeface="PMingLiU" panose="02020500000000000000" pitchFamily="18" charset="-120"/>
+              </a:rPr>
+              <a:t>、</a:t>
+            </a:r>
+            <a:r>
+              <a:rPr lang="zh-TW" altLang="en-US" sz="2400" dirty="0" smtClean="0">
+                <a:latin typeface="標楷體" panose="03000509000000000000" pitchFamily="65" charset="-120"/>
+                <a:ea typeface="標楷體" panose="03000509000000000000" pitchFamily="65" charset="-120"/>
+              </a:rPr>
+              <a:t>方向</a:t>
+            </a:r>
+            <a:r>
+              <a:rPr lang="zh-TW" altLang="en-US" sz="2400" dirty="0" smtClean="0">
+                <a:solidFill>
+                  <a:srgbClr val="FF0000"/>
+                </a:solidFill>
+                <a:latin typeface="標楷體" panose="03000509000000000000" pitchFamily="65" charset="-120"/>
+                <a:ea typeface="標楷體" panose="03000509000000000000" pitchFamily="65" charset="-120"/>
+              </a:rPr>
+              <a:t>靜下心來花時間深入研究</a:t>
+            </a:r>
+            <a:r>
+              <a:rPr lang="en-US" altLang="zh-TW" sz="2400" dirty="0" smtClean="0">
+                <a:latin typeface="標楷體" panose="03000509000000000000" pitchFamily="65" charset="-120"/>
+                <a:ea typeface="標楷體" panose="03000509000000000000" pitchFamily="65" charset="-120"/>
+              </a:rPr>
+              <a:t>(</a:t>
+            </a:r>
+            <a:r>
+              <a:rPr lang="zh-TW" altLang="en-US" sz="2400" dirty="0" smtClean="0">
+                <a:latin typeface="標楷體" panose="03000509000000000000" pitchFamily="65" charset="-120"/>
+                <a:ea typeface="標楷體" panose="03000509000000000000" pitchFamily="65" charset="-120"/>
+              </a:rPr>
+              <a:t>至少專精一種技術</a:t>
+            </a:r>
+            <a:r>
+              <a:rPr lang="en-US" altLang="zh-TW" sz="2400" dirty="0" smtClean="0">
+                <a:latin typeface="標楷體" panose="03000509000000000000" pitchFamily="65" charset="-120"/>
+                <a:ea typeface="標楷體" panose="03000509000000000000" pitchFamily="65" charset="-120"/>
+              </a:rPr>
+              <a:t>)</a:t>
+            </a:r>
+          </a:p>
+          <a:p>
+            <a:pPr lvl="2"/>
+            <a:r>
+              <a:rPr lang="zh-TW" altLang="en-US" sz="2400" dirty="0" smtClean="0">
+                <a:latin typeface="標楷體" panose="03000509000000000000" pitchFamily="65" charset="-120"/>
+                <a:ea typeface="標楷體" panose="03000509000000000000" pitchFamily="65" charset="-120"/>
+              </a:rPr>
+              <a:t>自主學習</a:t>
+            </a:r>
+            <a:r>
+              <a:rPr lang="zh-TW" altLang="en-US" sz="2400" dirty="0" smtClean="0">
+                <a:latin typeface="PMingLiU" panose="02020500000000000000" pitchFamily="18" charset="-120"/>
+                <a:ea typeface="PMingLiU" panose="02020500000000000000" pitchFamily="18" charset="-120"/>
+              </a:rPr>
+              <a:t>、</a:t>
+            </a:r>
+            <a:r>
+              <a:rPr lang="zh-TW" altLang="en-US" sz="2400" dirty="0" smtClean="0">
+                <a:latin typeface="標楷體" panose="03000509000000000000" pitchFamily="65" charset="-120"/>
+                <a:ea typeface="標楷體" panose="03000509000000000000" pitchFamily="65" charset="-120"/>
+              </a:rPr>
+              <a:t>規劃</a:t>
+            </a:r>
+            <a:r>
+              <a:rPr lang="zh-TW" altLang="en-US" sz="2400" dirty="0">
+                <a:latin typeface="標楷體" panose="03000509000000000000" pitchFamily="65" charset="-120"/>
+                <a:ea typeface="標楷體" panose="03000509000000000000" pitchFamily="65" charset="-120"/>
+              </a:rPr>
+              <a:t>課程、掌握進度與方法</a:t>
+            </a:r>
+            <a:endParaRPr lang="en-US" altLang="zh-TW" sz="2400" dirty="0">
+              <a:latin typeface="標楷體" panose="03000509000000000000" pitchFamily="65" charset="-120"/>
+              <a:ea typeface="標楷體" panose="03000509000000000000" pitchFamily="65" charset="-120"/>
+            </a:endParaRPr>
+          </a:p>
+          <a:p>
+            <a:pPr lvl="2"/>
+            <a:r>
+              <a:rPr lang="zh-TW" altLang="en-US" sz="2400" dirty="0" smtClean="0">
+                <a:latin typeface="標楷體" panose="03000509000000000000" pitchFamily="65" charset="-120"/>
+                <a:ea typeface="標楷體" panose="03000509000000000000" pitchFamily="65" charset="-120"/>
+              </a:rPr>
+              <a:t>週一</a:t>
+            </a:r>
+            <a:r>
+              <a:rPr lang="zh-TW" altLang="en-US" sz="2400" dirty="0">
+                <a:latin typeface="標楷體" panose="03000509000000000000" pitchFamily="65" charset="-120"/>
+                <a:ea typeface="標楷體" panose="03000509000000000000" pitchFamily="65" charset="-120"/>
+              </a:rPr>
+              <a:t>到週五晚上都必須</a:t>
+            </a:r>
+            <a:r>
+              <a:rPr lang="zh-TW" altLang="en-US" sz="2400" dirty="0" smtClean="0">
+                <a:latin typeface="標楷體" panose="03000509000000000000" pitchFamily="65" charset="-120"/>
+                <a:ea typeface="標楷體" panose="03000509000000000000" pitchFamily="65" charset="-120"/>
+              </a:rPr>
+              <a:t>複習（時間管理</a:t>
+            </a:r>
+            <a:r>
+              <a:rPr lang="zh-TW" altLang="en-US" sz="2400" dirty="0" smtClean="0">
+                <a:latin typeface="標楷體" panose="03000509000000000000" pitchFamily="65" charset="-120"/>
+                <a:ea typeface="標楷體" panose="03000509000000000000" pitchFamily="65" charset="-120"/>
+              </a:rPr>
+              <a:t>）</a:t>
             </a:r>
             <a:endParaRPr lang="en-US" altLang="zh-TW" sz="3600" dirty="0" smtClean="0">
               <a:solidFill>
@@ -3561,297 +3731,6 @@
             </a:endParaRPr>
           </a:p>
           <a:p>
-            <a:pPr lvl="1"/>
-            <a:r>
-              <a:rPr lang="zh-TW" altLang="en-US" sz="2800" dirty="0" smtClean="0">
-                <a:latin typeface="標楷體" panose="03000509000000000000" pitchFamily="65" charset="-120"/>
-                <a:ea typeface="標楷體" panose="03000509000000000000" pitchFamily="65" charset="-120"/>
-              </a:rPr>
-              <a:t>學歷一技之長</a:t>
-            </a:r>
-            <a:r>
-              <a:rPr lang="en-US" altLang="zh-TW" sz="2800" dirty="0" smtClean="0">
-                <a:latin typeface="標楷體" panose="03000509000000000000" pitchFamily="65" charset="-120"/>
-                <a:ea typeface="標楷體" panose="03000509000000000000" pitchFamily="65" charset="-120"/>
-              </a:rPr>
-              <a:t>(</a:t>
-            </a:r>
-            <a:r>
-              <a:rPr lang="zh-TW" altLang="en-US" sz="2800" dirty="0" smtClean="0">
-                <a:latin typeface="標楷體" panose="03000509000000000000" pitchFamily="65" charset="-120"/>
-                <a:ea typeface="標楷體" panose="03000509000000000000" pitchFamily="65" charset="-120"/>
-              </a:rPr>
-              <a:t>一門技術</a:t>
-            </a:r>
-            <a:r>
-              <a:rPr lang="en-US" altLang="zh-TW" sz="2800" dirty="0" smtClean="0">
-                <a:latin typeface="標楷體" panose="03000509000000000000" pitchFamily="65" charset="-120"/>
-                <a:ea typeface="標楷體" panose="03000509000000000000" pitchFamily="65" charset="-120"/>
-              </a:rPr>
-              <a:t>)</a:t>
-            </a:r>
-            <a:r>
-              <a:rPr lang="zh-TW" altLang="en-US" sz="2800" dirty="0" smtClean="0">
-                <a:latin typeface="PMingLiU" panose="02020500000000000000" pitchFamily="18" charset="-120"/>
-                <a:ea typeface="PMingLiU" panose="02020500000000000000" pitchFamily="18" charset="-120"/>
-              </a:rPr>
-              <a:t>、</a:t>
-            </a:r>
-            <a:r>
-              <a:rPr lang="zh-TW" altLang="en-US" sz="2800" dirty="0" smtClean="0">
-                <a:latin typeface="標楷體" panose="03000509000000000000" pitchFamily="65" charset="-120"/>
-                <a:ea typeface="標楷體" panose="03000509000000000000" pitchFamily="65" charset="-120"/>
-              </a:rPr>
-              <a:t>增加視野</a:t>
-            </a:r>
-            <a:r>
-              <a:rPr lang="zh-TW" altLang="en-US" sz="2800" dirty="0">
-                <a:latin typeface="PMingLiU" panose="02020500000000000000" pitchFamily="18" charset="-120"/>
-                <a:ea typeface="PMingLiU" panose="02020500000000000000" pitchFamily="18" charset="-120"/>
-              </a:rPr>
-              <a:t>、</a:t>
-            </a:r>
-            <a:r>
-              <a:rPr lang="zh-TW" altLang="en-US" sz="2800" dirty="0" smtClean="0">
-                <a:latin typeface="標楷體" panose="03000509000000000000" pitchFamily="65" charset="-120"/>
-                <a:ea typeface="標楷體" panose="03000509000000000000" pitchFamily="65" charset="-120"/>
-              </a:rPr>
-              <a:t>擴展人脈</a:t>
-            </a:r>
-            <a:r>
-              <a:rPr lang="zh-TW" altLang="en-US" sz="2800" dirty="0">
-                <a:latin typeface="PMingLiU" panose="02020500000000000000" pitchFamily="18" charset="-120"/>
-                <a:ea typeface="PMingLiU" panose="02020500000000000000" pitchFamily="18" charset="-120"/>
-              </a:rPr>
-              <a:t>、</a:t>
-            </a:r>
-            <a:r>
-              <a:rPr lang="zh-TW" altLang="en-US" sz="2800" dirty="0" smtClean="0">
-                <a:latin typeface="標楷體" panose="03000509000000000000" pitchFamily="65" charset="-120"/>
-                <a:ea typeface="標楷體" panose="03000509000000000000" pitchFamily="65" charset="-120"/>
-              </a:rPr>
-              <a:t>有國際觀</a:t>
-            </a:r>
-            <a:endParaRPr lang="en-US" altLang="zh-TW" sz="2800" dirty="0" smtClean="0">
-              <a:latin typeface="標楷體" panose="03000509000000000000" pitchFamily="65" charset="-120"/>
-              <a:ea typeface="標楷體" panose="03000509000000000000" pitchFamily="65" charset="-120"/>
-            </a:endParaRPr>
-          </a:p>
-          <a:p>
-            <a:pPr lvl="1"/>
-            <a:r>
-              <a:rPr lang="zh-TW" altLang="en-US" sz="2800" dirty="0" smtClean="0">
-                <a:solidFill>
-                  <a:srgbClr val="FF0000"/>
-                </a:solidFill>
-                <a:latin typeface="標楷體" panose="03000509000000000000" pitchFamily="65" charset="-120"/>
-                <a:ea typeface="標楷體" panose="03000509000000000000" pitchFamily="65" charset="-120"/>
-              </a:rPr>
-              <a:t>組織能力</a:t>
-            </a:r>
-            <a:r>
-              <a:rPr lang="zh-TW" altLang="en-US" sz="2800" dirty="0">
-                <a:solidFill>
-                  <a:srgbClr val="FF0000"/>
-                </a:solidFill>
-                <a:latin typeface="PMingLiU" panose="02020500000000000000" pitchFamily="18" charset="-120"/>
-                <a:ea typeface="PMingLiU" panose="02020500000000000000" pitchFamily="18" charset="-120"/>
-              </a:rPr>
-              <a:t>、</a:t>
-            </a:r>
-            <a:r>
-              <a:rPr lang="zh-TW" altLang="en-US" sz="2800" dirty="0" smtClean="0">
-                <a:solidFill>
-                  <a:srgbClr val="FF0000"/>
-                </a:solidFill>
-                <a:latin typeface="標楷體" panose="03000509000000000000" pitchFamily="65" charset="-120"/>
-                <a:ea typeface="標楷體" panose="03000509000000000000" pitchFamily="65" charset="-120"/>
-              </a:rPr>
-              <a:t>整理內化的能力</a:t>
-            </a:r>
-            <a:r>
-              <a:rPr lang="zh-TW" altLang="en-US" sz="2800" dirty="0">
-                <a:solidFill>
-                  <a:srgbClr val="FF0000"/>
-                </a:solidFill>
-                <a:latin typeface="PMingLiU" panose="02020500000000000000" pitchFamily="18" charset="-120"/>
-                <a:ea typeface="PMingLiU" panose="02020500000000000000" pitchFamily="18" charset="-120"/>
-              </a:rPr>
-              <a:t>、</a:t>
-            </a:r>
-            <a:r>
-              <a:rPr lang="zh-TW" altLang="en-US" sz="2800" dirty="0" smtClean="0">
-                <a:solidFill>
-                  <a:srgbClr val="FF0000"/>
-                </a:solidFill>
-                <a:latin typeface="標楷體" panose="03000509000000000000" pitchFamily="65" charset="-120"/>
-                <a:ea typeface="標楷體" panose="03000509000000000000" pitchFamily="65" charset="-120"/>
-              </a:rPr>
-              <a:t>報告的能力</a:t>
-            </a:r>
-            <a:endParaRPr lang="en-US" altLang="zh-TW" sz="2800" dirty="0" smtClean="0">
-              <a:solidFill>
-                <a:srgbClr val="FF0000"/>
-              </a:solidFill>
-              <a:latin typeface="標楷體" panose="03000509000000000000" pitchFamily="65" charset="-120"/>
-              <a:ea typeface="標楷體" panose="03000509000000000000" pitchFamily="65" charset="-120"/>
-            </a:endParaRPr>
-          </a:p>
-          <a:p>
-            <a:pPr lvl="1"/>
-            <a:r>
-              <a:rPr lang="zh-TW" altLang="en-US" sz="2800" dirty="0" smtClean="0">
-                <a:latin typeface="標楷體" panose="03000509000000000000" pitchFamily="65" charset="-120"/>
-                <a:ea typeface="標楷體" panose="03000509000000000000" pitchFamily="65" charset="-120"/>
-              </a:rPr>
-              <a:t>邏輯能力</a:t>
-            </a:r>
-            <a:r>
-              <a:rPr lang="zh-TW" altLang="en-US" sz="2800" dirty="0">
-                <a:latin typeface="PMingLiU" panose="02020500000000000000" pitchFamily="18" charset="-120"/>
-                <a:ea typeface="PMingLiU" panose="02020500000000000000" pitchFamily="18" charset="-120"/>
-              </a:rPr>
-              <a:t>、</a:t>
-            </a:r>
-            <a:r>
-              <a:rPr lang="zh-TW" altLang="en-US" sz="2800" dirty="0" smtClean="0">
-                <a:latin typeface="標楷體" panose="03000509000000000000" pitchFamily="65" charset="-120"/>
-                <a:ea typeface="標楷體" panose="03000509000000000000" pitchFamily="65" charset="-120"/>
-              </a:rPr>
-              <a:t>獨立思考的能力</a:t>
-            </a:r>
-            <a:r>
-              <a:rPr lang="zh-TW" altLang="en-US" sz="2800" dirty="0">
-                <a:latin typeface="PMingLiU" panose="02020500000000000000" pitchFamily="18" charset="-120"/>
-                <a:ea typeface="PMingLiU" panose="02020500000000000000" pitchFamily="18" charset="-120"/>
-              </a:rPr>
-              <a:t>、</a:t>
-            </a:r>
-            <a:r>
-              <a:rPr lang="zh-TW" altLang="en-US" sz="2800" dirty="0" smtClean="0">
-                <a:latin typeface="標楷體" panose="03000509000000000000" pitchFamily="65" charset="-120"/>
-                <a:ea typeface="標楷體" panose="03000509000000000000" pitchFamily="65" charset="-120"/>
-              </a:rPr>
-              <a:t>時間管理的能力</a:t>
-            </a:r>
-            <a:r>
-              <a:rPr lang="zh-TW" altLang="en-US" sz="2800" dirty="0">
-                <a:latin typeface="PMingLiU" panose="02020500000000000000" pitchFamily="18" charset="-120"/>
-                <a:ea typeface="PMingLiU" panose="02020500000000000000" pitchFamily="18" charset="-120"/>
-              </a:rPr>
-              <a:t>、</a:t>
-            </a:r>
-            <a:r>
-              <a:rPr lang="zh-TW" altLang="en-US" sz="2800" dirty="0" smtClean="0">
-                <a:latin typeface="標楷體" panose="03000509000000000000" pitchFamily="65" charset="-120"/>
-                <a:ea typeface="標楷體" panose="03000509000000000000" pitchFamily="65" charset="-120"/>
-              </a:rPr>
-              <a:t>處理多工的能力</a:t>
-            </a:r>
-            <a:endParaRPr lang="en-US" altLang="zh-TW" sz="2800" dirty="0" smtClean="0">
-              <a:latin typeface="標楷體" panose="03000509000000000000" pitchFamily="65" charset="-120"/>
-              <a:ea typeface="標楷體" panose="03000509000000000000" pitchFamily="65" charset="-120"/>
-            </a:endParaRPr>
-          </a:p>
-          <a:p>
-            <a:pPr lvl="1"/>
-            <a:r>
-              <a:rPr lang="zh-TW" altLang="en-US" sz="2800" dirty="0" smtClean="0">
-                <a:latin typeface="標楷體" panose="03000509000000000000" pitchFamily="65" charset="-120"/>
-                <a:ea typeface="標楷體" panose="03000509000000000000" pitchFamily="65" charset="-120"/>
-              </a:rPr>
-              <a:t>待人接物應對的能力</a:t>
-            </a:r>
-            <a:r>
-              <a:rPr lang="zh-TW" altLang="en-US" sz="2800" dirty="0">
-                <a:latin typeface="PMingLiU" panose="02020500000000000000" pitchFamily="18" charset="-120"/>
-                <a:ea typeface="PMingLiU" panose="02020500000000000000" pitchFamily="18" charset="-120"/>
-              </a:rPr>
-              <a:t>、</a:t>
-            </a:r>
-            <a:r>
-              <a:rPr lang="zh-TW" altLang="en-US" sz="2800" dirty="0" smtClean="0">
-                <a:latin typeface="標楷體" panose="03000509000000000000" pitchFamily="65" charset="-120"/>
-                <a:ea typeface="標楷體" panose="03000509000000000000" pitchFamily="65" charset="-120"/>
-              </a:rPr>
-              <a:t>溝通協調的能力</a:t>
-            </a:r>
-            <a:r>
-              <a:rPr lang="zh-TW" altLang="en-US" sz="2800" dirty="0">
-                <a:latin typeface="PMingLiU" panose="02020500000000000000" pitchFamily="18" charset="-120"/>
-                <a:ea typeface="PMingLiU" panose="02020500000000000000" pitchFamily="18" charset="-120"/>
-              </a:rPr>
-              <a:t>、</a:t>
-            </a:r>
-            <a:r>
-              <a:rPr lang="zh-TW" altLang="en-US" sz="2800" dirty="0" smtClean="0">
-                <a:latin typeface="標楷體" panose="03000509000000000000" pitchFamily="65" charset="-120"/>
-                <a:ea typeface="標楷體" panose="03000509000000000000" pitchFamily="65" charset="-120"/>
-              </a:rPr>
-              <a:t>與人相處</a:t>
-            </a:r>
-            <a:r>
-              <a:rPr lang="zh-TW" altLang="en-US" sz="2800" dirty="0">
-                <a:latin typeface="PMingLiU" panose="02020500000000000000" pitchFamily="18" charset="-120"/>
-                <a:ea typeface="PMingLiU" panose="02020500000000000000" pitchFamily="18" charset="-120"/>
-              </a:rPr>
-              <a:t>、</a:t>
-            </a:r>
-            <a:r>
-              <a:rPr lang="zh-TW" altLang="en-US" sz="2800" dirty="0" smtClean="0">
-                <a:latin typeface="標楷體" panose="03000509000000000000" pitchFamily="65" charset="-120"/>
-                <a:ea typeface="標楷體" panose="03000509000000000000" pitchFamily="65" charset="-120"/>
-              </a:rPr>
-              <a:t>團隊合作的能力</a:t>
-            </a:r>
-            <a:endParaRPr lang="en-US" altLang="zh-TW" sz="2800" dirty="0" smtClean="0">
-              <a:latin typeface="標楷體" panose="03000509000000000000" pitchFamily="65" charset="-120"/>
-              <a:ea typeface="標楷體" panose="03000509000000000000" pitchFamily="65" charset="-120"/>
-            </a:endParaRPr>
-          </a:p>
-          <a:p>
-            <a:pPr lvl="1"/>
-            <a:r>
-              <a:rPr lang="zh-TW" altLang="en-US" sz="2800" dirty="0">
-                <a:latin typeface="標楷體" panose="03000509000000000000" pitchFamily="65" charset="-120"/>
-                <a:ea typeface="標楷體" panose="03000509000000000000" pitchFamily="65" charset="-120"/>
-              </a:rPr>
-              <a:t>善解</a:t>
-            </a:r>
-            <a:r>
-              <a:rPr lang="zh-TW" altLang="en-US" sz="2800" dirty="0">
-                <a:latin typeface="PMingLiU" panose="02020500000000000000" pitchFamily="18" charset="-120"/>
-                <a:ea typeface="PMingLiU" panose="02020500000000000000" pitchFamily="18" charset="-120"/>
-              </a:rPr>
-              <a:t>、</a:t>
-            </a:r>
-            <a:r>
-              <a:rPr lang="zh-TW" altLang="en-US" sz="2800" dirty="0">
-                <a:latin typeface="標楷體" panose="03000509000000000000" pitchFamily="65" charset="-120"/>
-                <a:ea typeface="標楷體" panose="03000509000000000000" pitchFamily="65" charset="-120"/>
-              </a:rPr>
-              <a:t>包容</a:t>
-            </a:r>
-            <a:endParaRPr lang="en-US" altLang="zh-TW" sz="2800" dirty="0">
-              <a:latin typeface="標楷體" panose="03000509000000000000" pitchFamily="65" charset="-120"/>
-              <a:ea typeface="標楷體" panose="03000509000000000000" pitchFamily="65" charset="-120"/>
-            </a:endParaRPr>
-          </a:p>
-          <a:p>
-            <a:pPr lvl="1"/>
-            <a:r>
-              <a:rPr lang="zh-TW" altLang="en-US" sz="2800" dirty="0" smtClean="0">
-                <a:latin typeface="標楷體" panose="03000509000000000000" pitchFamily="65" charset="-120"/>
-                <a:ea typeface="標楷體" panose="03000509000000000000" pitchFamily="65" charset="-120"/>
-              </a:rPr>
-              <a:t>好的工作美好的人生</a:t>
-            </a:r>
-            <a:endParaRPr lang="en-US" altLang="zh-TW" sz="3600" dirty="0" smtClean="0">
-              <a:latin typeface="標楷體" panose="03000509000000000000" pitchFamily="65" charset="-120"/>
-              <a:ea typeface="標楷體" panose="03000509000000000000" pitchFamily="65" charset="-120"/>
-            </a:endParaRPr>
-          </a:p>
-          <a:p>
             <a:r>
               <a:rPr lang="zh-TW" altLang="en-US" sz="3600" dirty="0" smtClean="0">
                 <a:solidFill>
@@ -3860,7 +3739,7 @@
                 <a:latin typeface="標楷體" panose="03000509000000000000" pitchFamily="65" charset="-120"/>
                 <a:ea typeface="標楷體" panose="03000509000000000000" pitchFamily="65" charset="-120"/>
               </a:rPr>
-              <a:t>唸大學跟唸高中在實質及態度上會有什麼不同</a:t>
+              <a:t>唸大學目標</a:t>
             </a:r>
             <a:endParaRPr lang="en-US" altLang="zh-TW" sz="3600" dirty="0" smtClean="0">
               <a:solidFill>
@@ -3877,7 +3756,35 @@
                 <a:latin typeface="標楷體" panose="03000509000000000000" pitchFamily="65" charset="-120"/>
                 <a:ea typeface="標楷體" panose="03000509000000000000" pitchFamily="65" charset="-120"/>
               </a:rPr>
-              <a:t>找到興趣</a:t>
+              <a:t>學歷一技之長</a:t>
+            </a:r>
+            <a:r>
+              <a:rPr lang="en-US" altLang="zh-TW" sz="2800" dirty="0" smtClean="0">
+                <a:latin typeface="標楷體" panose="03000509000000000000" pitchFamily="65" charset="-120"/>
+                <a:ea typeface="標楷體" panose="03000509000000000000" pitchFamily="65" charset="-120"/>
+              </a:rPr>
+              <a:t>(</a:t>
+            </a:r>
+            <a:r>
+              <a:rPr lang="zh-TW" altLang="en-US" sz="2800" dirty="0" smtClean="0">
+                <a:latin typeface="標楷體" panose="03000509000000000000" pitchFamily="65" charset="-120"/>
+                <a:ea typeface="標楷體" panose="03000509000000000000" pitchFamily="65" charset="-120"/>
+              </a:rPr>
+              <a:t>至少一</a:t>
+            </a:r>
+            <a:r>
+              <a:rPr lang="zh-TW" altLang="en-US" sz="2800" dirty="0" smtClean="0">
+                <a:latin typeface="標楷體" panose="03000509000000000000" pitchFamily="65" charset="-120"/>
+                <a:ea typeface="標楷體" panose="03000509000000000000" pitchFamily="65" charset="-120"/>
+              </a:rPr>
+              <a:t>門技術</a:t>
+            </a:r>
+            <a:r>
+              <a:rPr lang="en-US" altLang="zh-TW" sz="2800" dirty="0" smtClean="0">
+                <a:latin typeface="標楷體" panose="03000509000000000000" pitchFamily="65" charset="-120"/>
+                <a:ea typeface="標楷體" panose="03000509000000000000" pitchFamily="65" charset="-120"/>
+              </a:rPr>
+              <a:t>)</a:t>
             </a:r>
             <a:r>
               <a:rPr lang="zh-TW" altLang="en-US" sz="2800" dirty="0" smtClean="0">
@@ -3891,8 +3798,78 @@
                 <a:latin typeface="標楷體" panose="03000509000000000000" pitchFamily="65" charset="-120"/>
                 <a:ea typeface="標楷體" panose="03000509000000000000" pitchFamily="65" charset="-120"/>
               </a:rPr>
-              <a:t>方向</a:t>
-            </a:r>
+              <a:t>增加視野</a:t>
+            </a:r>
+            <a:r>
+              <a:rPr lang="zh-TW" altLang="en-US" sz="2800" dirty="0">
+                <a:latin typeface="PMingLiU" panose="02020500000000000000" pitchFamily="18" charset="-120"/>
+                <a:ea typeface="PMingLiU" panose="02020500000000000000" pitchFamily="18" charset="-120"/>
+              </a:rPr>
+              <a:t>、</a:t>
+            </a:r>
+            <a:r>
+              <a:rPr lang="zh-TW" altLang="en-US" sz="2800" dirty="0" smtClean="0">
+                <a:latin typeface="標楷體" panose="03000509000000000000" pitchFamily="65" charset="-120"/>
+                <a:ea typeface="標楷體" panose="03000509000000000000" pitchFamily="65" charset="-120"/>
+              </a:rPr>
+              <a:t>擴展人脈</a:t>
+            </a:r>
+            <a:r>
+              <a:rPr lang="zh-TW" altLang="en-US" sz="2800" dirty="0">
+                <a:latin typeface="PMingLiU" panose="02020500000000000000" pitchFamily="18" charset="-120"/>
+                <a:ea typeface="PMingLiU" panose="02020500000000000000" pitchFamily="18" charset="-120"/>
+              </a:rPr>
+              <a:t>、</a:t>
+            </a:r>
+            <a:r>
+              <a:rPr lang="zh-TW" altLang="en-US" sz="2800" dirty="0" smtClean="0">
+                <a:latin typeface="標楷體" panose="03000509000000000000" pitchFamily="65" charset="-120"/>
+                <a:ea typeface="標楷體" panose="03000509000000000000" pitchFamily="65" charset="-120"/>
+              </a:rPr>
+              <a:t>有國際</a:t>
+            </a:r>
+            <a:r>
+              <a:rPr lang="zh-TW" altLang="en-US" sz="2800" dirty="0" smtClean="0">
+                <a:latin typeface="標楷體" panose="03000509000000000000" pitchFamily="65" charset="-120"/>
+                <a:ea typeface="標楷體" panose="03000509000000000000" pitchFamily="65" charset="-120"/>
+              </a:rPr>
+              <a:t>觀</a:t>
+            </a:r>
+            <a:endParaRPr lang="en-US" altLang="zh-TW" sz="2800" dirty="0" smtClean="0">
+              <a:latin typeface="標楷體" panose="03000509000000000000" pitchFamily="65" charset="-120"/>
+              <a:ea typeface="標楷體" panose="03000509000000000000" pitchFamily="65" charset="-120"/>
+            </a:endParaRPr>
+          </a:p>
+          <a:p>
+            <a:pPr lvl="2"/>
+            <a:r>
+              <a:rPr lang="zh-TW" altLang="en-US" sz="2400" b="1" u="sng" dirty="0" smtClean="0">
+                <a:latin typeface="標楷體" panose="03000509000000000000" pitchFamily="65" charset="-120"/>
+                <a:ea typeface="標楷體" panose="03000509000000000000" pitchFamily="65" charset="-120"/>
+              </a:rPr>
+              <a:t>投資時間在知識</a:t>
+            </a:r>
+            <a:r>
+              <a:rPr lang="en-US" altLang="zh-TW" sz="2400" b="1" u="sng" dirty="0" smtClean="0">
+                <a:latin typeface="標楷體" panose="03000509000000000000" pitchFamily="65" charset="-120"/>
+                <a:ea typeface="標楷體" panose="03000509000000000000" pitchFamily="65" charset="-120"/>
+              </a:rPr>
+              <a:t>/</a:t>
+            </a:r>
+            <a:r>
+              <a:rPr lang="zh-TW" altLang="en-US" sz="2400" b="1" u="sng" dirty="0" smtClean="0">
+                <a:latin typeface="標楷體" panose="03000509000000000000" pitchFamily="65" charset="-120"/>
+                <a:ea typeface="標楷體" panose="03000509000000000000" pitchFamily="65" charset="-120"/>
+              </a:rPr>
+              <a:t>技能上</a:t>
+            </a:r>
+            <a:endParaRPr lang="en-US" altLang="zh-TW" sz="2400" b="1" u="sng" dirty="0" smtClean="0">
+              <a:latin typeface="標楷體" panose="03000509000000000000" pitchFamily="65" charset="-120"/>
+              <a:ea typeface="標楷體" panose="03000509000000000000" pitchFamily="65" charset="-120"/>
+            </a:endParaRPr>
+          </a:p>
+          <a:p>
+            <a:pPr lvl="1"/>
             <a:r>
               <a:rPr lang="zh-TW" altLang="en-US" sz="2800" dirty="0" smtClean="0">
                 <a:solidFill>
@@ -3901,40 +3878,290 @@
                 <a:latin typeface="標楷體" panose="03000509000000000000" pitchFamily="65" charset="-120"/>
                 <a:ea typeface="標楷體" panose="03000509000000000000" pitchFamily="65" charset="-120"/>
               </a:rPr>
-              <a:t>靜下心來花時間深入研究</a:t>
+              <a:t>組織能力</a:t>
+            </a:r>
+            <a:r>
+              <a:rPr lang="zh-TW" altLang="en-US" sz="2800" dirty="0">
+                <a:solidFill>
+                  <a:srgbClr val="FF0000"/>
+                </a:solidFill>
+                <a:latin typeface="PMingLiU" panose="02020500000000000000" pitchFamily="18" charset="-120"/>
+                <a:ea typeface="PMingLiU" panose="02020500000000000000" pitchFamily="18" charset="-120"/>
+              </a:rPr>
+              <a:t>、</a:t>
+            </a:r>
+            <a:r>
+              <a:rPr lang="zh-TW" altLang="en-US" sz="2800" dirty="0" smtClean="0">
+                <a:solidFill>
+                  <a:srgbClr val="FF0000"/>
+                </a:solidFill>
+                <a:latin typeface="標楷體" panose="03000509000000000000" pitchFamily="65" charset="-120"/>
+                <a:ea typeface="標楷體" panose="03000509000000000000" pitchFamily="65" charset="-120"/>
+              </a:rPr>
+              <a:t>整理內化的能力</a:t>
+            </a:r>
+            <a:r>
+              <a:rPr lang="zh-TW" altLang="en-US" sz="2800" dirty="0">
+                <a:solidFill>
+                  <a:srgbClr val="FF0000"/>
+                </a:solidFill>
+                <a:latin typeface="標楷體" panose="03000509000000000000" pitchFamily="65" charset="-120"/>
+                <a:ea typeface="標楷體" panose="03000509000000000000" pitchFamily="65" charset="-120"/>
+              </a:rPr>
+              <a:t>、上台報告的能力</a:t>
+            </a:r>
+            <a:endParaRPr lang="en-US" altLang="zh-TW" sz="2800" dirty="0">
+              <a:solidFill>
+                <a:srgbClr val="FF0000"/>
+              </a:solidFill>
+              <a:latin typeface="標楷體" panose="03000509000000000000" pitchFamily="65" charset="-120"/>
+              <a:ea typeface="標楷體" panose="03000509000000000000" pitchFamily="65" charset="-120"/>
+            </a:endParaRPr>
+          </a:p>
+          <a:p>
+            <a:pPr lvl="1"/>
+            <a:r>
+              <a:rPr lang="zh-TW" altLang="en-US" sz="2800" dirty="0" smtClean="0">
+                <a:latin typeface="標楷體" panose="03000509000000000000" pitchFamily="65" charset="-120"/>
+                <a:ea typeface="標楷體" panose="03000509000000000000" pitchFamily="65" charset="-120"/>
+              </a:rPr>
+              <a:t>邏輯能力</a:t>
+            </a:r>
+            <a:r>
+              <a:rPr lang="zh-TW" altLang="en-US" sz="2800" dirty="0">
+                <a:latin typeface="PMingLiU" panose="02020500000000000000" pitchFamily="18" charset="-120"/>
+                <a:ea typeface="PMingLiU" panose="02020500000000000000" pitchFamily="18" charset="-120"/>
+              </a:rPr>
+              <a:t>、</a:t>
+            </a:r>
+            <a:r>
+              <a:rPr lang="zh-TW" altLang="en-US" sz="2800" dirty="0" smtClean="0">
+                <a:latin typeface="標楷體" panose="03000509000000000000" pitchFamily="65" charset="-120"/>
+                <a:ea typeface="標楷體" panose="03000509000000000000" pitchFamily="65" charset="-120"/>
+              </a:rPr>
+              <a:t>獨立思考的能力</a:t>
+            </a:r>
+            <a:r>
+              <a:rPr lang="zh-TW" altLang="en-US" sz="2800" dirty="0">
+                <a:latin typeface="PMingLiU" panose="02020500000000000000" pitchFamily="18" charset="-120"/>
+                <a:ea typeface="PMingLiU" panose="02020500000000000000" pitchFamily="18" charset="-120"/>
+              </a:rPr>
+              <a:t>、</a:t>
+            </a:r>
+            <a:r>
+              <a:rPr lang="zh-TW" altLang="en-US" sz="2800" dirty="0" smtClean="0">
+                <a:latin typeface="標楷體" panose="03000509000000000000" pitchFamily="65" charset="-120"/>
+                <a:ea typeface="標楷體" panose="03000509000000000000" pitchFamily="65" charset="-120"/>
+              </a:rPr>
+              <a:t>時間管理的能力</a:t>
+            </a:r>
+            <a:r>
+              <a:rPr lang="zh-TW" altLang="en-US" sz="2800" dirty="0">
+                <a:latin typeface="PMingLiU" panose="02020500000000000000" pitchFamily="18" charset="-120"/>
+                <a:ea typeface="PMingLiU" panose="02020500000000000000" pitchFamily="18" charset="-120"/>
+              </a:rPr>
+              <a:t>、</a:t>
+            </a:r>
+            <a:r>
+              <a:rPr lang="zh-TW" altLang="en-US" sz="2800" dirty="0" smtClean="0">
+                <a:latin typeface="標楷體" panose="03000509000000000000" pitchFamily="65" charset="-120"/>
+                <a:ea typeface="標楷體" panose="03000509000000000000" pitchFamily="65" charset="-120"/>
+              </a:rPr>
+              <a:t>處理多工的能力</a:t>
+            </a:r>
+            <a:endParaRPr lang="en-US" altLang="zh-TW" sz="2800" dirty="0" smtClean="0">
+              <a:latin typeface="標楷體" panose="03000509000000000000" pitchFamily="65" charset="-120"/>
+              <a:ea typeface="標楷體" panose="03000509000000000000" pitchFamily="65" charset="-120"/>
+            </a:endParaRPr>
+          </a:p>
+          <a:p>
+            <a:pPr lvl="1"/>
+            <a:r>
+              <a:rPr lang="zh-TW" altLang="en-US" sz="2800" dirty="0" smtClean="0">
+                <a:latin typeface="標楷體" panose="03000509000000000000" pitchFamily="65" charset="-120"/>
+                <a:ea typeface="標楷體" panose="03000509000000000000" pitchFamily="65" charset="-120"/>
+              </a:rPr>
+              <a:t>待人接物應對的能力</a:t>
+            </a:r>
+            <a:r>
+              <a:rPr lang="zh-TW" altLang="en-US" sz="2800" dirty="0">
+                <a:latin typeface="PMingLiU" panose="02020500000000000000" pitchFamily="18" charset="-120"/>
+                <a:ea typeface="PMingLiU" panose="02020500000000000000" pitchFamily="18" charset="-120"/>
+              </a:rPr>
+              <a:t>、</a:t>
+            </a:r>
+            <a:r>
+              <a:rPr lang="zh-TW" altLang="en-US" sz="2800" dirty="0" smtClean="0">
+                <a:latin typeface="標楷體" panose="03000509000000000000" pitchFamily="65" charset="-120"/>
+                <a:ea typeface="標楷體" panose="03000509000000000000" pitchFamily="65" charset="-120"/>
+              </a:rPr>
+              <a:t>溝通協調的能力</a:t>
+            </a:r>
+            <a:r>
+              <a:rPr lang="zh-TW" altLang="en-US" sz="2800" dirty="0">
+                <a:latin typeface="PMingLiU" panose="02020500000000000000" pitchFamily="18" charset="-120"/>
+                <a:ea typeface="PMingLiU" panose="02020500000000000000" pitchFamily="18" charset="-120"/>
+              </a:rPr>
+              <a:t>、</a:t>
+            </a:r>
+            <a:r>
+              <a:rPr lang="zh-TW" altLang="en-US" sz="2800" dirty="0" smtClean="0">
+                <a:latin typeface="標楷體" panose="03000509000000000000" pitchFamily="65" charset="-120"/>
+                <a:ea typeface="標楷體" panose="03000509000000000000" pitchFamily="65" charset="-120"/>
+              </a:rPr>
+              <a:t>與人相處</a:t>
+            </a:r>
+            <a:r>
+              <a:rPr lang="zh-TW" altLang="en-US" sz="2800" dirty="0">
+                <a:latin typeface="PMingLiU" panose="02020500000000000000" pitchFamily="18" charset="-120"/>
+                <a:ea typeface="PMingLiU" panose="02020500000000000000" pitchFamily="18" charset="-120"/>
+              </a:rPr>
+              <a:t>、</a:t>
+            </a:r>
+            <a:r>
+              <a:rPr lang="zh-TW" altLang="en-US" sz="2800" dirty="0" smtClean="0">
+                <a:latin typeface="標楷體" panose="03000509000000000000" pitchFamily="65" charset="-120"/>
+                <a:ea typeface="標楷體" panose="03000509000000000000" pitchFamily="65" charset="-120"/>
+              </a:rPr>
+              <a:t>團隊合作的</a:t>
+            </a:r>
+            <a:r>
+              <a:rPr lang="zh-TW" altLang="en-US" sz="2800" dirty="0" smtClean="0">
+                <a:latin typeface="標楷體" panose="03000509000000000000" pitchFamily="65" charset="-120"/>
+                <a:ea typeface="標楷體" panose="03000509000000000000" pitchFamily="65" charset="-120"/>
+              </a:rPr>
+              <a:t>能力</a:t>
+            </a:r>
+            <a:endParaRPr lang="en-US" altLang="zh-TW" sz="2800" dirty="0" smtClean="0">
+              <a:latin typeface="標楷體" panose="03000509000000000000" pitchFamily="65" charset="-120"/>
+              <a:ea typeface="標楷體" panose="03000509000000000000" pitchFamily="65" charset="-120"/>
+            </a:endParaRPr>
+          </a:p>
+          <a:p>
+            <a:pPr lvl="1"/>
+            <a:r>
+              <a:rPr lang="zh-TW" altLang="en-US" sz="2800" dirty="0" smtClean="0">
+                <a:latin typeface="標楷體" panose="03000509000000000000" pitchFamily="65" charset="-120"/>
+                <a:ea typeface="標楷體" panose="03000509000000000000" pitchFamily="65" charset="-120"/>
+              </a:rPr>
+              <a:t>善</a:t>
+            </a:r>
+            <a:r>
+              <a:rPr lang="zh-TW" altLang="en-US" sz="2800" dirty="0">
+                <a:latin typeface="標楷體" panose="03000509000000000000" pitchFamily="65" charset="-120"/>
+                <a:ea typeface="標楷體" panose="03000509000000000000" pitchFamily="65" charset="-120"/>
+              </a:rPr>
+              <a:t>解</a:t>
+            </a:r>
+            <a:r>
+              <a:rPr lang="zh-TW" altLang="en-US" sz="2800" dirty="0">
+                <a:latin typeface="PMingLiU" panose="02020500000000000000" pitchFamily="18" charset="-120"/>
+                <a:ea typeface="PMingLiU" panose="02020500000000000000" pitchFamily="18" charset="-120"/>
+              </a:rPr>
+              <a:t>、</a:t>
+            </a:r>
+            <a:r>
+              <a:rPr lang="zh-TW" altLang="en-US" sz="2800" dirty="0">
+                <a:latin typeface="標楷體" panose="03000509000000000000" pitchFamily="65" charset="-120"/>
+                <a:ea typeface="標楷體" panose="03000509000000000000" pitchFamily="65" charset="-120"/>
+              </a:rPr>
+              <a:t>包容</a:t>
+            </a:r>
+            <a:endParaRPr lang="en-US" altLang="zh-TW" sz="2800" dirty="0">
+              <a:latin typeface="標楷體" panose="03000509000000000000" pitchFamily="65" charset="-120"/>
+              <a:ea typeface="標楷體" panose="03000509000000000000" pitchFamily="65" charset="-120"/>
+            </a:endParaRPr>
+          </a:p>
+          <a:p>
+            <a:pPr lvl="1"/>
+            <a:r>
+              <a:rPr lang="zh-TW" altLang="en-US" sz="2800" dirty="0" smtClean="0">
+                <a:latin typeface="標楷體" panose="03000509000000000000" pitchFamily="65" charset="-120"/>
+                <a:ea typeface="標楷體" panose="03000509000000000000" pitchFamily="65" charset="-120"/>
+              </a:rPr>
+              <a:t>好的</a:t>
+            </a:r>
+            <a:r>
+              <a:rPr lang="zh-TW" altLang="en-US" sz="2800" dirty="0" smtClean="0">
+                <a:latin typeface="標楷體" panose="03000509000000000000" pitchFamily="65" charset="-120"/>
+                <a:ea typeface="標楷體" panose="03000509000000000000" pitchFamily="65" charset="-120"/>
+              </a:rPr>
+              <a:t>工作</a:t>
             </a:r>
             <a:r>
               <a:rPr lang="en-US" altLang="zh-TW" sz="2800" dirty="0" smtClean="0">
                 <a:latin typeface="標楷體" panose="03000509000000000000" pitchFamily="65" charset="-120"/>
                 <a:ea typeface="標楷體" panose="03000509000000000000" pitchFamily="65" charset="-120"/>
               </a:rPr>
-              <a:t>(</a:t>
+              <a:t>/</a:t>
             </a:r>
             <a:r>
               <a:rPr lang="zh-TW" altLang="en-US" sz="2800" dirty="0" smtClean="0">
                 <a:latin typeface="標楷體" panose="03000509000000000000" pitchFamily="65" charset="-120"/>
                 <a:ea typeface="標楷體" panose="03000509000000000000" pitchFamily="65" charset="-120"/>
               </a:rPr>
-              <a:t>至少專精一種技術</a:t>
-            </a:r>
-            <a:r>
-              <a:rPr lang="en-US" altLang="zh-TW" sz="2800" dirty="0" smtClean="0">
-                <a:latin typeface="標楷體" panose="03000509000000000000" pitchFamily="65" charset="-120"/>
-                <a:ea typeface="標楷體" panose="03000509000000000000" pitchFamily="65" charset="-120"/>
-              </a:rPr>
-              <a:t>)</a:t>
-            </a:r>
-          </a:p>
-          <a:p>
-            <a:pPr lvl="1"/>
-            <a:r>
-              <a:rPr lang="zh-TW" altLang="en-US" sz="2800" dirty="0" smtClean="0">
-                <a:latin typeface="標楷體" panose="03000509000000000000" pitchFamily="65" charset="-120"/>
-                <a:ea typeface="標楷體" panose="03000509000000000000" pitchFamily="65" charset="-120"/>
-              </a:rPr>
-              <a:t>週一到週五晚上都必須複習</a:t>
+              <a:t>幸福的人生</a:t>
             </a:r>
             <a:endParaRPr lang="en-US" altLang="zh-TW" sz="2800" dirty="0" smtClean="0">
+              <a:latin typeface="標楷體" panose="03000509000000000000" pitchFamily="65" charset="-120"/>
+              <a:ea typeface="標楷體" panose="03000509000000000000" pitchFamily="65" charset="-120"/>
+            </a:endParaRPr>
+          </a:p>
+          <a:p>
+            <a:r>
+              <a:rPr lang="zh-TW" altLang="en-US" sz="4000" dirty="0" smtClean="0">
+                <a:solidFill>
+                  <a:srgbClr val="0000FF"/>
+                </a:solidFill>
+                <a:latin typeface="標楷體" panose="03000509000000000000" pitchFamily="65" charset="-120"/>
+                <a:ea typeface="標楷體" panose="03000509000000000000" pitchFamily="65" charset="-120"/>
+              </a:rPr>
+              <a:t>學校</a:t>
+            </a:r>
+            <a:r>
+              <a:rPr lang="en-US" altLang="zh-TW" sz="4000" dirty="0" smtClean="0">
+                <a:solidFill>
+                  <a:srgbClr val="0000FF"/>
+                </a:solidFill>
+                <a:latin typeface="標楷體" panose="03000509000000000000" pitchFamily="65" charset="-120"/>
+                <a:ea typeface="標楷體" panose="03000509000000000000" pitchFamily="65" charset="-120"/>
+              </a:rPr>
+              <a:t>/</a:t>
+            </a:r>
+            <a:r>
+              <a:rPr lang="zh-TW" altLang="en-US" sz="4000" dirty="0" smtClean="0">
+                <a:solidFill>
+                  <a:srgbClr val="0000FF"/>
+                </a:solidFill>
+                <a:latin typeface="標楷體" panose="03000509000000000000" pitchFamily="65" charset="-120"/>
+                <a:ea typeface="標楷體" panose="03000509000000000000" pitchFamily="65" charset="-120"/>
+              </a:rPr>
+              <a:t>系上老師引導</a:t>
+            </a:r>
+            <a:r>
+              <a:rPr lang="en-US" altLang="zh-TW" sz="4000" dirty="0" smtClean="0">
+                <a:solidFill>
+                  <a:srgbClr val="0000FF"/>
+                </a:solidFill>
+                <a:latin typeface="標楷體" panose="03000509000000000000" pitchFamily="65" charset="-120"/>
+                <a:ea typeface="標楷體" panose="03000509000000000000" pitchFamily="65" charset="-120"/>
+              </a:rPr>
+              <a:t>/</a:t>
+            </a:r>
+            <a:r>
+              <a:rPr lang="zh-TW" altLang="en-US" sz="4000" dirty="0" smtClean="0">
+                <a:solidFill>
+                  <a:srgbClr val="0000FF"/>
+                </a:solidFill>
+                <a:latin typeface="標楷體" panose="03000509000000000000" pitchFamily="65" charset="-120"/>
+                <a:ea typeface="標楷體" panose="03000509000000000000" pitchFamily="65" charset="-120"/>
+              </a:rPr>
+              <a:t>協助，沒辦法代替學生</a:t>
+            </a:r>
+            <a:endParaRPr lang="en-US" altLang="zh-TW" sz="4000" dirty="0" smtClean="0">
+              <a:solidFill>
+                <a:srgbClr val="0000FF"/>
+              </a:solidFill>
               <a:latin typeface="標楷體" panose="03000509000000000000" pitchFamily="65" charset="-120"/>
               <a:ea typeface="標楷體" panose="03000509000000000000" pitchFamily="65" charset="-120"/>
             </a:endParaRPr>
@@ -3987,7 +4214,7 @@
                                         <p:tgtEl>
                                           <p:spTgt spid="3">
                                             <p:txEl>
-                                              <p:pRg st="1" end="1"/>
+                                              <p:pRg st="7" end="7"/>
                                             </p:txEl>
                                           </p:spTgt>
                                         </p:tgtEl>
@@ -4005,7 +4232,7 @@
                                         <p:tgtEl>
                                           <p:spTgt spid="3">
                                             <p:txEl>
-                                              <p:pRg st="1" end="1"/>
+                                              <p:pRg st="7" end="7"/>
                                             </p:txEl>
                                           </p:spTgt>
                                         </p:tgtEl>
@@ -4017,7 +4244,7 @@
                                         <p:tgtEl>
                                           <p:spTgt spid="3">
                                             <p:txEl>
-                                              <p:pRg st="1" end="1"/>
+                                              <p:pRg st="7" end="7"/>
                                             </p:txEl>
                                           </p:spTgt>
                                         </p:tgtEl>
@@ -4044,7 +4271,7 @@
                                         <p:tgtEl>
                                           <p:spTgt spid="3">
                                             <p:txEl>
-                                              <p:pRg st="1" end="1"/>
+                                              <p:pRg st="7" end="7"/>
                                             </p:txEl>
                                           </p:spTgt>
                                         </p:tgtEl>
@@ -4071,551 +4298,30 @@
                             </p:childTnLst>
                           </p:cTn>
                         </p:par>
+                      </p:childTnLst>
+                    </p:cTn>
+                  </p:par>
+                  <p:par>
+                    <p:cTn id="10" fill="hold">
+                      <p:stCondLst>
+                        <p:cond delay="indefinite"/>
+                      </p:stCondLst>
+                      <p:childTnLst>
                         <p:par>
-                          <p:cTn id="10" fill="hold">
+                          <p:cTn id="11" fill="hold">
                             <p:stCondLst>
-                              <p:cond delay="1000"/>
+                              <p:cond delay="0"/>
                             </p:stCondLst>
                             <p:childTnLst>
                               <p:par>
-                                <p:cTn id="11" presetID="42" presetClass="entr" presetSubtype="0" fill="hold" nodeType="afterEffect">
+                                <p:cTn id="12" presetID="42" presetClass="entr" presetSubtype="0" fill="hold" nodeType="clickEffect">
                                   <p:stCondLst>
                                     <p:cond delay="0"/>
                                   </p:stCondLst>
                                   <p:childTnLst>
                                     <p:set>
                                       <p:cBhvr>
-                                        <p:cTn id="12" dur="1" fill="hold">
-                                          <p:stCondLst>
-                                            <p:cond delay="0"/>
-                                          </p:stCondLst>
-                                        </p:cTn>
-                                        <p:tgtEl>
-                                          <p:spTgt spid="3">
-                                            <p:txEl>
-                                              <p:pRg st="2" end="2"/>
-                                            </p:txEl>
-                                          </p:spTgt>
-                                        </p:tgtEl>
-                                        <p:attrNameLst>
-                                          <p:attrName>style.visibility</p:attrName>
-                                        </p:attrNameLst>
-                                      </p:cBhvr>
-                                      <p:to>
-                                        <p:strVal val="visible"/>
-                                      </p:to>
-                                    </p:set>
-                                    <p:animEffect transition="in" filter="fade">
-                                      <p:cBhvr>
-                                        <p:cTn id="13" dur="1000"/>
-                                        <p:tgtEl>
-                                          <p:spTgt spid="3">
-                                            <p:txEl>
-                                              <p:pRg st="2" end="2"/>
-                                            </p:txEl>
-                                          </p:spTgt>
-                                        </p:tgtEl>
-                                      </p:cBhvr>
-                                    </p:animEffect>
-                                    <p:anim calcmode="lin" valueType="num">
-                                      <p:cBhvr>
-                                        <p:cTn id="14" dur="1000" fill="hold"/>
-                                        <p:tgtEl>
-                                          <p:spTgt spid="3">
-                                            <p:txEl>
-                                              <p:pRg st="2" end="2"/>
-                                            </p:txEl>
-                                          </p:spTgt>
-                                        </p:tgtEl>
-                                        <p:attrNameLst>
-                                          <p:attrName>ppt_x</p:attrName>
-                                        </p:attrNameLst>
-                                      </p:cBhvr>
-                                      <p:tavLst>
-                                        <p:tav tm="0">
-                                          <p:val>
-                                            <p:strVal val="#ppt_x"/>
-                                          </p:val>
-                                        </p:tav>
-                                        <p:tav tm="100000">
-                                          <p:val>
-                                            <p:strVal val="#ppt_x"/>
-                                          </p:val>
-                                        </p:tav>
-                                      </p:tavLst>
-                                    </p:anim>
-                                    <p:anim calcmode="lin" valueType="num">
-                                      <p:cBhvr>
-                                        <p:cTn id="15" dur="1000" fill="hold"/>
-                                        <p:tgtEl>
-                                          <p:spTgt spid="3">
-                                            <p:txEl>
-                                              <p:pRg st="2" end="2"/>
-                                            </p:txEl>
-                                          </p:spTgt>
-                                        </p:tgtEl>
-                                        <p:attrNameLst>
-                                          <p:attrName>ppt_y</p:attrName>
-                                        </p:attrNameLst>
-                                      </p:cBhvr>
-                                      <p:tavLst>
-                                        <p:tav tm="0">
-                                          <p:val>
-                                            <p:strVal val="#ppt_y+.1"/>
-                                          </p:val>
-                                        </p:tav>
-                                        <p:tav tm="100000">
-                                          <p:val>
-                                            <p:strVal val="#ppt_y"/>
-                                          </p:val>
-                                        </p:tav>
-                                      </p:tavLst>
-                                    </p:anim>
-                                  </p:childTnLst>
-                                </p:cTn>
-                              </p:par>
-                            </p:childTnLst>
-                          </p:cTn>
-                        </p:par>
-                        <p:par>
-                          <p:cTn id="16" fill="hold">
-                            <p:stCondLst>
-                              <p:cond delay="2000"/>
-                            </p:stCondLst>
-                            <p:childTnLst>
-                              <p:par>
-                                <p:cTn id="17" presetID="42" presetClass="entr" presetSubtype="0" fill="hold" nodeType="afterEffect">
-                                  <p:stCondLst>
-                                    <p:cond delay="0"/>
-                                  </p:stCondLst>
-                                  <p:childTnLst>
-                                    <p:set>
-                                      <p:cBhvr>
-                                        <p:cTn id="18" dur="1" fill="hold">
-                                          <p:stCondLst>
-                                            <p:cond delay="0"/>
-                                          </p:stCondLst>
-                                        </p:cTn>
-                                        <p:tgtEl>
-                                          <p:spTgt spid="3">
-                                            <p:txEl>
-                                              <p:pRg st="3" end="3"/>
-                                            </p:txEl>
-                                          </p:spTgt>
-                                        </p:tgtEl>
-                                        <p:attrNameLst>
-                                          <p:attrName>style.visibility</p:attrName>
-                                        </p:attrNameLst>
-                                      </p:cBhvr>
-                                      <p:to>
-                                        <p:strVal val="visible"/>
-                                      </p:to>
-                                    </p:set>
-                                    <p:animEffect transition="in" filter="fade">
-                                      <p:cBhvr>
-                                        <p:cTn id="19" dur="1000"/>
-                                        <p:tgtEl>
-                                          <p:spTgt spid="3">
-                                            <p:txEl>
-                                              <p:pRg st="3" end="3"/>
-                                            </p:txEl>
-                                          </p:spTgt>
-                                        </p:tgtEl>
-                                      </p:cBhvr>
-                                    </p:animEffect>
-                                    <p:anim calcmode="lin" valueType="num">
-                                      <p:cBhvr>
-                                        <p:cTn id="20" dur="1000" fill="hold"/>
-                                        <p:tgtEl>
-                                          <p:spTgt spid="3">
-                                            <p:txEl>
-                                              <p:pRg st="3" end="3"/>
-                                            </p:txEl>
-                                          </p:spTgt>
-                                        </p:tgtEl>
-                                        <p:attrNameLst>
-                                          <p:attrName>ppt_x</p:attrName>
-                                        </p:attrNameLst>
-                                      </p:cBhvr>
-                                      <p:tavLst>
-                                        <p:tav tm="0">
-                                          <p:val>
-                                            <p:strVal val="#ppt_x"/>
-                                          </p:val>
-                                        </p:tav>
-                                        <p:tav tm="100000">
-                                          <p:val>
-                                            <p:strVal val="#ppt_x"/>
-                                          </p:val>
-                                        </p:tav>
-                                      </p:tavLst>
-                                    </p:anim>
-                                    <p:anim calcmode="lin" valueType="num">
-                                      <p:cBhvr>
-                                        <p:cTn id="21" dur="1000" fill="hold"/>
-                                        <p:tgtEl>
-                                          <p:spTgt spid="3">
-                                            <p:txEl>
-                                              <p:pRg st="3" end="3"/>
-                                            </p:txEl>
-                                          </p:spTgt>
-                                        </p:tgtEl>
-                                        <p:attrNameLst>
-                                          <p:attrName>ppt_y</p:attrName>
-                                        </p:attrNameLst>
-                                      </p:cBhvr>
-                                      <p:tavLst>
-                                        <p:tav tm="0">
-                                          <p:val>
-                                            <p:strVal val="#ppt_y+.1"/>
-                                          </p:val>
-                                        </p:tav>
-                                        <p:tav tm="100000">
-                                          <p:val>
-                                            <p:strVal val="#ppt_y"/>
-                                          </p:val>
-                                        </p:tav>
-                                      </p:tavLst>
-                                    </p:anim>
-                                  </p:childTnLst>
-                                </p:cTn>
-                              </p:par>
-                            </p:childTnLst>
-                          </p:cTn>
-                        </p:par>
-                        <p:par>
-                          <p:cTn id="22" fill="hold">
-                            <p:stCondLst>
-                              <p:cond delay="3000"/>
-                            </p:stCondLst>
-                            <p:childTnLst>
-                              <p:par>
-                                <p:cTn id="23" presetID="42" presetClass="entr" presetSubtype="0" fill="hold" nodeType="afterEffect">
-                                  <p:stCondLst>
-                                    <p:cond delay="0"/>
-                                  </p:stCondLst>
-                                  <p:childTnLst>
-                                    <p:set>
-                                      <p:cBhvr>
-                                        <p:cTn id="24" dur="1" fill="hold">
-                                          <p:stCondLst>
-                                            <p:cond delay="0"/>
-                                          </p:stCondLst>
-                                        </p:cTn>
-                                        <p:tgtEl>
-                                          <p:spTgt spid="3">
-                                            <p:txEl>
-                                              <p:pRg st="4" end="4"/>
-                                            </p:txEl>
-                                          </p:spTgt>
-                                        </p:tgtEl>
-                                        <p:attrNameLst>
-                                          <p:attrName>style.visibility</p:attrName>
-                                        </p:attrNameLst>
-                                      </p:cBhvr>
-                                      <p:to>
-                                        <p:strVal val="visible"/>
-                                      </p:to>
-                                    </p:set>
-                                    <p:animEffect transition="in" filter="fade">
-                                      <p:cBhvr>
-                                        <p:cTn id="25" dur="1000"/>
-                                        <p:tgtEl>
-                                          <p:spTgt spid="3">
-                                            <p:txEl>
-                                              <p:pRg st="4" end="4"/>
-                                            </p:txEl>
-                                          </p:spTgt>
-                                        </p:tgtEl>
-                                      </p:cBhvr>
-                                    </p:animEffect>
-                                    <p:anim calcmode="lin" valueType="num">
-                                      <p:cBhvr>
-                                        <p:cTn id="26" dur="1000" fill="hold"/>
-                                        <p:tgtEl>
-                                          <p:spTgt spid="3">
-                                            <p:txEl>
-                                              <p:pRg st="4" end="4"/>
-                                            </p:txEl>
-                                          </p:spTgt>
-                                        </p:tgtEl>
-                                        <p:attrNameLst>
-                                          <p:attrName>ppt_x</p:attrName>
-                                        </p:attrNameLst>
-                                      </p:cBhvr>
-                                      <p:tavLst>
-                                        <p:tav tm="0">
-                                          <p:val>
-                                            <p:strVal val="#ppt_x"/>
-                                          </p:val>
-                                        </p:tav>
-                                        <p:tav tm="100000">
-                                          <p:val>
-                                            <p:strVal val="#ppt_x"/>
-                                          </p:val>
-                                        </p:tav>
-                                      </p:tavLst>
-                                    </p:anim>
-                                    <p:anim calcmode="lin" valueType="num">
-                                      <p:cBhvr>
-                                        <p:cTn id="27" dur="1000" fill="hold"/>
-                                        <p:tgtEl>
-                                          <p:spTgt spid="3">
-                                            <p:txEl>
-                                              <p:pRg st="4" end="4"/>
-                                            </p:txEl>
-                                          </p:spTgt>
-                                        </p:tgtEl>
-                                        <p:attrNameLst>
-                                          <p:attrName>ppt_y</p:attrName>
-                                        </p:attrNameLst>
-                                      </p:cBhvr>
-                                      <p:tavLst>
-                                        <p:tav tm="0">
-                                          <p:val>
-                                            <p:strVal val="#ppt_y+.1"/>
-                                          </p:val>
-                                        </p:tav>
-                                        <p:tav tm="100000">
-                                          <p:val>
-                                            <p:strVal val="#ppt_y"/>
-                                          </p:val>
-                                        </p:tav>
-                                      </p:tavLst>
-                                    </p:anim>
-                                  </p:childTnLst>
-                                </p:cTn>
-                              </p:par>
-                            </p:childTnLst>
-                          </p:cTn>
-                        </p:par>
-                        <p:par>
-                          <p:cTn id="28" fill="hold">
-                            <p:stCondLst>
-                              <p:cond delay="4000"/>
-                            </p:stCondLst>
-                            <p:childTnLst>
-                              <p:par>
-                                <p:cTn id="29" presetID="42" presetClass="entr" presetSubtype="0" fill="hold" nodeType="afterEffect">
-                                  <p:stCondLst>
-                                    <p:cond delay="0"/>
-                                  </p:stCondLst>
-                                  <p:childTnLst>
-                                    <p:set>
-                                      <p:cBhvr>
-                                        <p:cTn id="30" dur="1" fill="hold">
-                                          <p:stCondLst>
-                                            <p:cond delay="0"/>
-                                          </p:stCondLst>
-                                        </p:cTn>
-                                        <p:tgtEl>
-                                          <p:spTgt spid="3">
-                                            <p:txEl>
-                                              <p:pRg st="5" end="5"/>
-                                            </p:txEl>
-                                          </p:spTgt>
-                                        </p:tgtEl>
-                                        <p:attrNameLst>
-                                          <p:attrName>style.visibility</p:attrName>
-                                        </p:attrNameLst>
-                                      </p:cBhvr>
-                                      <p:to>
-                                        <p:strVal val="visible"/>
-                                      </p:to>
-                                    </p:set>
-                                    <p:animEffect transition="in" filter="fade">
-                                      <p:cBhvr>
-                                        <p:cTn id="31" dur="1000"/>
-                                        <p:tgtEl>
-                                          <p:spTgt spid="3">
-                                            <p:txEl>
-                                              <p:pRg st="5" end="5"/>
-                                            </p:txEl>
-                                          </p:spTgt>
-                                        </p:tgtEl>
-                                      </p:cBhvr>
-                                    </p:animEffect>
-                                    <p:anim calcmode="lin" valueType="num">
-                                      <p:cBhvr>
-                                        <p:cTn id="32" dur="1000" fill="hold"/>
-                                        <p:tgtEl>
-                                          <p:spTgt spid="3">
-                                            <p:txEl>
-                                              <p:pRg st="5" end="5"/>
-                                            </p:txEl>
-                                          </p:spTgt>
-                                        </p:tgtEl>
-                                        <p:attrNameLst>
-                                          <p:attrName>ppt_x</p:attrName>
-                                        </p:attrNameLst>
-                                      </p:cBhvr>
-                                      <p:tavLst>
-                                        <p:tav tm="0">
-                                          <p:val>
-                                            <p:strVal val="#ppt_x"/>
-                                          </p:val>
-                                        </p:tav>
-                                        <p:tav tm="100000">
-                                          <p:val>
-                                            <p:strVal val="#ppt_x"/>
-                                          </p:val>
-                                        </p:tav>
-                                      </p:tavLst>
-                                    </p:anim>
-                                    <p:anim calcmode="lin" valueType="num">
-                                      <p:cBhvr>
-                                        <p:cTn id="33" dur="1000" fill="hold"/>
-                                        <p:tgtEl>
-                                          <p:spTgt spid="3">
-                                            <p:txEl>
-                                              <p:pRg st="5" end="5"/>
-                                            </p:txEl>
-                                          </p:spTgt>
-                                        </p:tgtEl>
-                                        <p:attrNameLst>
-                                          <p:attrName>ppt_y</p:attrName>
-                                        </p:attrNameLst>
-                                      </p:cBhvr>
-                                      <p:tavLst>
-                                        <p:tav tm="0">
-                                          <p:val>
-                                            <p:strVal val="#ppt_y+.1"/>
-                                          </p:val>
-                                        </p:tav>
-                                        <p:tav tm="100000">
-                                          <p:val>
-                                            <p:strVal val="#ppt_y"/>
-                                          </p:val>
-                                        </p:tav>
-                                      </p:tavLst>
-                                    </p:anim>
-                                  </p:childTnLst>
-                                </p:cTn>
-                              </p:par>
-                            </p:childTnLst>
-                          </p:cTn>
-                        </p:par>
-                        <p:par>
-                          <p:cTn id="34" fill="hold">
-                            <p:stCondLst>
-                              <p:cond delay="5000"/>
-                            </p:stCondLst>
-                            <p:childTnLst>
-                              <p:par>
-                                <p:cTn id="35" presetID="42" presetClass="entr" presetSubtype="0" fill="hold" nodeType="afterEffect">
-                                  <p:stCondLst>
-                                    <p:cond delay="0"/>
-                                  </p:stCondLst>
-                                  <p:childTnLst>
-                                    <p:set>
-                                      <p:cBhvr>
-                                        <p:cTn id="36" dur="1" fill="hold">
-                                          <p:stCondLst>
-                                            <p:cond delay="0"/>
-                                          </p:stCondLst>
-                                        </p:cTn>
-                                        <p:tgtEl>
-                                          <p:spTgt spid="3">
-                                            <p:txEl>
-                                              <p:pRg st="6" end="6"/>
-                                            </p:txEl>
-                                          </p:spTgt>
-                                        </p:tgtEl>
-                                        <p:attrNameLst>
-                                          <p:attrName>style.visibility</p:attrName>
-                                        </p:attrNameLst>
-                                      </p:cBhvr>
-                                      <p:to>
-                                        <p:strVal val="visible"/>
-                                      </p:to>
-                                    </p:set>
-                                    <p:animEffect transition="in" filter="fade">
-                                      <p:cBhvr>
-                                        <p:cTn id="37" dur="1000"/>
-                                        <p:tgtEl>
-                                          <p:spTgt spid="3">
-                                            <p:txEl>
-                                              <p:pRg st="6" end="6"/>
-                                            </p:txEl>
-                                          </p:spTgt>
-                                        </p:tgtEl>
-                                      </p:cBhvr>
-                                    </p:animEffect>
-                                    <p:anim calcmode="lin" valueType="num">
-                                      <p:cBhvr>
-                                        <p:cTn id="38" dur="1000" fill="hold"/>
-                                        <p:tgtEl>
-                                          <p:spTgt spid="3">
-                                            <p:txEl>
-                                              <p:pRg st="6" end="6"/>
-                                            </p:txEl>
-                                          </p:spTgt>
-                                        </p:tgtEl>
-                                        <p:attrNameLst>
-                                          <p:attrName>ppt_x</p:attrName>
-                                        </p:attrNameLst>
-                                      </p:cBhvr>
-                                      <p:tavLst>
-                                        <p:tav tm="0">
-                                          <p:val>
-                                            <p:strVal val="#ppt_x"/>
-                                          </p:val>
-                                        </p:tav>
-                                        <p:tav tm="100000">
-                                          <p:val>
-                                            <p:strVal val="#ppt_x"/>
-                                          </p:val>
-                                        </p:tav>
-                                      </p:tavLst>
-                                    </p:anim>
-                                    <p:anim calcmode="lin" valueType="num">
-                                      <p:cBhvr>
-                                        <p:cTn id="39" dur="1000" fill="hold"/>
-                                        <p:tgtEl>
-                                          <p:spTgt spid="3">
-                                            <p:txEl>
-                                              <p:pRg st="6" end="6"/>
-                                            </p:txEl>
-                                          </p:spTgt>
-                                        </p:tgtEl>
-                                        <p:attrNameLst>
-                                          <p:attrName>ppt_y</p:attrName>
-                                        </p:attrNameLst>
-                                      </p:cBhvr>
-                                      <p:tavLst>
-                                        <p:tav tm="0">
-                                          <p:val>
-                                            <p:strVal val="#ppt_y+.1"/>
-                                          </p:val>
-                                        </p:tav>
-                                        <p:tav tm="100000">
-                                          <p:val>
-                                            <p:strVal val="#ppt_y"/>
-                                          </p:val>
-                                        </p:tav>
-                                      </p:tavLst>
-                                    </p:anim>
-                                  </p:childTnLst>
-                                </p:cTn>
-                              </p:par>
-                            </p:childTnLst>
-                          </p:cTn>
-                        </p:par>
-                        <p:par>
-                          <p:cTn id="40" fill="hold">
-                            <p:stCondLst>
-                              <p:cond delay="6000"/>
-                            </p:stCondLst>
-                            <p:childTnLst>
-                              <p:par>
-                                <p:cTn id="41" presetID="42" presetClass="entr" presetSubtype="0" fill="hold" nodeType="afterEffect">
-                                  <p:stCondLst>
-                                    <p:cond delay="0"/>
-                                  </p:stCondLst>
-                                  <p:childTnLst>
-                                    <p:set>
-                                      <p:cBhvr>
-                                        <p:cTn id="42" dur="1" fill="hold">
+                                        <p:cTn id="13" dur="1" fill="hold">
                                           <p:stCondLst>
                                             <p:cond delay="0"/>
                                           </p:stCondLst>
@@ -4637,7 +4343,7 @@
                                     </p:set>
                                     <p:animEffect transition="in" filter="fade">
                                       <p:cBhvr>
-                                        <p:cTn id="43" dur="1000"/>
+                                        <p:cTn id="14" dur="1000"/>
                                         <p:tgtEl>
                                           <p:spTgt spid="3">
                                             <p:txEl>
@@ -4649,7 +4355,7 @@
                                     </p:animEffect>
                                     <p:anim calcmode="lin" valueType="num">
                                       <p:cBhvr>
-                                        <p:cTn id="44" dur="1000" fill="hold"/>
+                                        <p:cTn id="15" dur="1000" fill="hold"/>
                                         <p:tgtEl>
                                           <p:spTgt spid="3">
                                             <p:txEl>
@@ -4676,7 +4382,7 @@
                                     </p:anim>
                                     <p:anim calcmode="lin" valueType="num">
                                       <p:cBhvr>
-                                        <p:cTn id="45" dur="1000" fill="hold"/>
+                                        <p:cTn id="16" dur="1000" fill="hold"/>
                                         <p:tgtEl>
                                           <p:spTgt spid="3">
                                             <p:txEl>
@@ -4708,20 +4414,20 @@
                           </p:cTn>
                         </p:par>
                         <p:par>
-                          <p:cTn id="46" fill="hold">
+                          <p:cTn id="17" fill="hold">
                             <p:stCondLst>
-                              <p:cond delay="7000"/>
+                              <p:cond delay="1000"/>
                             </p:stCondLst>
                             <p:childTnLst>
                               <p:par>
-                                <p:cTn id="47" presetID="42" presetClass="entr" presetSubtype="0" fill="hold" nodeType="afterEffect">
+                                <p:cTn id="18" presetID="42" presetClass="entr" presetSubtype="0" fill="hold" nodeType="afterEffect">
                                   <p:stCondLst>
                                     <p:cond delay="0"/>
                                   </p:stCondLst>
                                   <p:childTnLst>
                                     <p:set>
                                       <p:cBhvr>
-                                        <p:cTn id="48" dur="1" fill="hold">
+                                        <p:cTn id="19" dur="1" fill="hold">
                                           <p:stCondLst>
                                             <p:cond delay="0"/>
                                           </p:stCondLst>
@@ -4743,7 +4449,7 @@
                                     </p:set>
                                     <p:animEffect transition="in" filter="fade">
                                       <p:cBhvr>
-                                        <p:cTn id="49" dur="1000"/>
+                                        <p:cTn id="20" dur="1000"/>
                                         <p:tgtEl>
                                           <p:spTgt spid="3">
                                             <p:txEl>
@@ -4755,7 +4461,7 @@
                                     </p:animEffect>
                                     <p:anim calcmode="lin" valueType="num">
                                       <p:cBhvr>
-                                        <p:cTn id="50" dur="1000" fill="hold"/>
+                                        <p:cTn id="21" dur="1000" fill="hold"/>
                                         <p:tgtEl>
                                           <p:spTgt spid="3">
                                             <p:txEl>
@@ -4782,11 +4488,541 @@
                                     </p:anim>
                                     <p:anim calcmode="lin" valueType="num">
                                       <p:cBhvr>
+                                        <p:cTn id="22" dur="1000" fill="hold"/>
+                                        <p:tgtEl>
+                                          <p:spTgt spid="3">
+                                            <p:txEl>
+                                              <p:pRg st="9" end="9"/>
+                                            </p:txEl>
+                                          </p:spTgt>
+                                        </p:tgtEl>
+                                        <p:attrNameLst>
+                                          <p:attrName>ppt_y</p:attrName>
+                                        </p:attrNameLst>
+                                      </p:cBhvr>
+                                      <p:tavLst>
+                                        <p:tav tm="0">
+                                          <p:val>
+                                            <p:strVal val="#ppt_y+.1"/>
+                                          </p:val>
+                                        </p:tav>
+                                        <p:tav tm="100000">
+                                          <p:val>
+                                            <p:strVal val="#ppt_y"/>
+                                          </p:val>
+                                        </p:tav>
+                                      </p:tavLst>
+                                    </p:anim>
+                                  </p:childTnLst>
+                                </p:cTn>
+                              </p:par>
+                            </p:childTnLst>
+                          </p:cTn>
+                        </p:par>
+                        <p:par>
+                          <p:cTn id="23" fill="hold">
+                            <p:stCondLst>
+                              <p:cond delay="2000"/>
+                            </p:stCondLst>
+                            <p:childTnLst>
+                              <p:par>
+                                <p:cTn id="24" presetID="42" presetClass="entr" presetSubtype="0" fill="hold" nodeType="afterEffect">
+                                  <p:stCondLst>
+                                    <p:cond delay="0"/>
+                                  </p:stCondLst>
+                                  <p:childTnLst>
+                                    <p:set>
+                                      <p:cBhvr>
+                                        <p:cTn id="25" dur="1" fill="hold">
+                                          <p:stCondLst>
+                                            <p:cond delay="0"/>
+                                          </p:stCondLst>
+                                        </p:cTn>
+                                        <p:tgtEl>
+                                          <p:spTgt spid="3">
+                                            <p:txEl>
+                                              <p:pRg st="10" end="10"/>
+                                            </p:txEl>
+                                          </p:spTgt>
+                                        </p:tgtEl>
+                                        <p:attrNameLst>
+                                          <p:attrName>style.visibility</p:attrName>
+                                        </p:attrNameLst>
+                                      </p:cBhvr>
+                                      <p:to>
+                                        <p:strVal val="visible"/>
+                                      </p:to>
+                                    </p:set>
+                                    <p:animEffect transition="in" filter="fade">
+                                      <p:cBhvr>
+                                        <p:cTn id="26" dur="1000"/>
+                                        <p:tgtEl>
+                                          <p:spTgt spid="3">
+                                            <p:txEl>
+                                              <p:pRg st="10" end="10"/>
+                                            </p:txEl>
+                                          </p:spTgt>
+                                        </p:tgtEl>
+                                      </p:cBhvr>
+                                    </p:animEffect>
+                                    <p:anim calcmode="lin" valueType="num">
+                                      <p:cBhvr>
+                                        <p:cTn id="27" dur="1000" fill="hold"/>
+                                        <p:tgtEl>
+                                          <p:spTgt spid="3">
+                                            <p:txEl>
+                                              <p:pRg st="10" end="10"/>
+                                            </p:txEl>
+                                          </p:spTgt>
+                                        </p:tgtEl>
+                                        <p:attrNameLst>
+                                          <p:attrName>ppt_x</p:attrName>
+                                        </p:attrNameLst>
+                                      </p:cBhvr>
+                                      <p:tavLst>
+                                        <p:tav tm="0">
+                                          <p:val>
+                                            <p:strVal val="#ppt_x"/>
+                                          </p:val>
+                                        </p:tav>
+                                        <p:tav tm="100000">
+                                          <p:val>
+                                            <p:strVal val="#ppt_x"/>
+                                          </p:val>
+                                        </p:tav>
+                                      </p:tavLst>
+                                    </p:anim>
+                                    <p:anim calcmode="lin" valueType="num">
+                                      <p:cBhvr>
+                                        <p:cTn id="28" dur="1000" fill="hold"/>
+                                        <p:tgtEl>
+                                          <p:spTgt spid="3">
+                                            <p:txEl>
+                                              <p:pRg st="10" end="10"/>
+                                            </p:txEl>
+                                          </p:spTgt>
+                                        </p:tgtEl>
+                                        <p:attrNameLst>
+                                          <p:attrName>ppt_y</p:attrName>
+                                        </p:attrNameLst>
+                                      </p:cBhvr>
+                                      <p:tavLst>
+                                        <p:tav tm="0">
+                                          <p:val>
+                                            <p:strVal val="#ppt_y+.1"/>
+                                          </p:val>
+                                        </p:tav>
+                                        <p:tav tm="100000">
+                                          <p:val>
+                                            <p:strVal val="#ppt_y"/>
+                                          </p:val>
+                                        </p:tav>
+                                      </p:tavLst>
+                                    </p:anim>
+                                  </p:childTnLst>
+                                </p:cTn>
+                              </p:par>
+                            </p:childTnLst>
+                          </p:cTn>
+                        </p:par>
+                        <p:par>
+                          <p:cTn id="29" fill="hold">
+                            <p:stCondLst>
+                              <p:cond delay="3000"/>
+                            </p:stCondLst>
+                            <p:childTnLst>
+                              <p:par>
+                                <p:cTn id="30" presetID="42" presetClass="entr" presetSubtype="0" fill="hold" nodeType="afterEffect">
+                                  <p:stCondLst>
+                                    <p:cond delay="0"/>
+                                  </p:stCondLst>
+                                  <p:childTnLst>
+                                    <p:set>
+                                      <p:cBhvr>
+                                        <p:cTn id="31" dur="1" fill="hold">
+                                          <p:stCondLst>
+                                            <p:cond delay="0"/>
+                                          </p:stCondLst>
+                                        </p:cTn>
+                                        <p:tgtEl>
+                                          <p:spTgt spid="3">
+                                            <p:txEl>
+                                              <p:pRg st="11" end="11"/>
+                                            </p:txEl>
+                                          </p:spTgt>
+                                        </p:tgtEl>
+                                        <p:attrNameLst>
+                                          <p:attrName>style.visibility</p:attrName>
+                                        </p:attrNameLst>
+                                      </p:cBhvr>
+                                      <p:to>
+                                        <p:strVal val="visible"/>
+                                      </p:to>
+                                    </p:set>
+                                    <p:animEffect transition="in" filter="fade">
+                                      <p:cBhvr>
+                                        <p:cTn id="32" dur="1000"/>
+                                        <p:tgtEl>
+                                          <p:spTgt spid="3">
+                                            <p:txEl>
+                                              <p:pRg st="11" end="11"/>
+                                            </p:txEl>
+                                          </p:spTgt>
+                                        </p:tgtEl>
+                                      </p:cBhvr>
+                                    </p:animEffect>
+                                    <p:anim calcmode="lin" valueType="num">
+                                      <p:cBhvr>
+                                        <p:cTn id="33" dur="1000" fill="hold"/>
+                                        <p:tgtEl>
+                                          <p:spTgt spid="3">
+                                            <p:txEl>
+                                              <p:pRg st="11" end="11"/>
+                                            </p:txEl>
+                                          </p:spTgt>
+                                        </p:tgtEl>
+                                        <p:attrNameLst>
+                                          <p:attrName>ppt_x</p:attrName>
+                                        </p:attrNameLst>
+                                      </p:cBhvr>
+                                      <p:tavLst>
+                                        <p:tav tm="0">
+                                          <p:val>
+                                            <p:strVal val="#ppt_x"/>
+                                          </p:val>
+                                        </p:tav>
+                                        <p:tav tm="100000">
+                                          <p:val>
+                                            <p:strVal val="#ppt_x"/>
+                                          </p:val>
+                                        </p:tav>
+                                      </p:tavLst>
+                                    </p:anim>
+                                    <p:anim calcmode="lin" valueType="num">
+                                      <p:cBhvr>
+                                        <p:cTn id="34" dur="1000" fill="hold"/>
+                                        <p:tgtEl>
+                                          <p:spTgt spid="3">
+                                            <p:txEl>
+                                              <p:pRg st="11" end="11"/>
+                                            </p:txEl>
+                                          </p:spTgt>
+                                        </p:tgtEl>
+                                        <p:attrNameLst>
+                                          <p:attrName>ppt_y</p:attrName>
+                                        </p:attrNameLst>
+                                      </p:cBhvr>
+                                      <p:tavLst>
+                                        <p:tav tm="0">
+                                          <p:val>
+                                            <p:strVal val="#ppt_y+.1"/>
+                                          </p:val>
+                                        </p:tav>
+                                        <p:tav tm="100000">
+                                          <p:val>
+                                            <p:strVal val="#ppt_y"/>
+                                          </p:val>
+                                        </p:tav>
+                                      </p:tavLst>
+                                    </p:anim>
+                                  </p:childTnLst>
+                                </p:cTn>
+                              </p:par>
+                            </p:childTnLst>
+                          </p:cTn>
+                        </p:par>
+                        <p:par>
+                          <p:cTn id="35" fill="hold">
+                            <p:stCondLst>
+                              <p:cond delay="4000"/>
+                            </p:stCondLst>
+                            <p:childTnLst>
+                              <p:par>
+                                <p:cTn id="36" presetID="42" presetClass="entr" presetSubtype="0" fill="hold" nodeType="afterEffect">
+                                  <p:stCondLst>
+                                    <p:cond delay="0"/>
+                                  </p:stCondLst>
+                                  <p:childTnLst>
+                                    <p:set>
+                                      <p:cBhvr>
+                                        <p:cTn id="37" dur="1" fill="hold">
+                                          <p:stCondLst>
+                                            <p:cond delay="0"/>
+                                          </p:stCondLst>
+                                        </p:cTn>
+                                        <p:tgtEl>
+                                          <p:spTgt spid="3">
+                                            <p:txEl>
+                                              <p:pRg st="12" end="12"/>
+                                            </p:txEl>
+                                          </p:spTgt>
+                                        </p:tgtEl>
+                                        <p:attrNameLst>
+                                          <p:attrName>style.visibility</p:attrName>
+                                        </p:attrNameLst>
+                                      </p:cBhvr>
+                                      <p:to>
+                                        <p:strVal val="visible"/>
+                                      </p:to>
+                                    </p:set>
+                                    <p:animEffect transition="in" filter="fade">
+                                      <p:cBhvr>
+                                        <p:cTn id="38" dur="1000"/>
+                                        <p:tgtEl>
+                                          <p:spTgt spid="3">
+                                            <p:txEl>
+                                              <p:pRg st="12" end="12"/>
+                                            </p:txEl>
+                                          </p:spTgt>
+                                        </p:tgtEl>
+                                      </p:cBhvr>
+                                    </p:animEffect>
+                                    <p:anim calcmode="lin" valueType="num">
+                                      <p:cBhvr>
+                                        <p:cTn id="39" dur="1000" fill="hold"/>
+                                        <p:tgtEl>
+                                          <p:spTgt spid="3">
+                                            <p:txEl>
+                                              <p:pRg st="12" end="12"/>
+                                            </p:txEl>
+                                          </p:spTgt>
+                                        </p:tgtEl>
+                                        <p:attrNameLst>
+                                          <p:attrName>ppt_x</p:attrName>
+                                        </p:attrNameLst>
+                                      </p:cBhvr>
+                                      <p:tavLst>
+                                        <p:tav tm="0">
+                                          <p:val>
+                                            <p:strVal val="#ppt_x"/>
+                                          </p:val>
+                                        </p:tav>
+                                        <p:tav tm="100000">
+                                          <p:val>
+                                            <p:strVal val="#ppt_x"/>
+                                          </p:val>
+                                        </p:tav>
+                                      </p:tavLst>
+                                    </p:anim>
+                                    <p:anim calcmode="lin" valueType="num">
+                                      <p:cBhvr>
+                                        <p:cTn id="40" dur="1000" fill="hold"/>
+                                        <p:tgtEl>
+                                          <p:spTgt spid="3">
+                                            <p:txEl>
+                                              <p:pRg st="12" end="12"/>
+                                            </p:txEl>
+                                          </p:spTgt>
+                                        </p:tgtEl>
+                                        <p:attrNameLst>
+                                          <p:attrName>ppt_y</p:attrName>
+                                        </p:attrNameLst>
+                                      </p:cBhvr>
+                                      <p:tavLst>
+                                        <p:tav tm="0">
+                                          <p:val>
+                                            <p:strVal val="#ppt_y+.1"/>
+                                          </p:val>
+                                        </p:tav>
+                                        <p:tav tm="100000">
+                                          <p:val>
+                                            <p:strVal val="#ppt_y"/>
+                                          </p:val>
+                                        </p:tav>
+                                      </p:tavLst>
+                                    </p:anim>
+                                  </p:childTnLst>
+                                </p:cTn>
+                              </p:par>
+                            </p:childTnLst>
+                          </p:cTn>
+                        </p:par>
+                        <p:par>
+                          <p:cTn id="41" fill="hold">
+                            <p:stCondLst>
+                              <p:cond delay="5000"/>
+                            </p:stCondLst>
+                            <p:childTnLst>
+                              <p:par>
+                                <p:cTn id="42" presetID="42" presetClass="entr" presetSubtype="0" fill="hold" nodeType="afterEffect">
+                                  <p:stCondLst>
+                                    <p:cond delay="0"/>
+                                  </p:stCondLst>
+                                  <p:childTnLst>
+                                    <p:set>
+                                      <p:cBhvr>
+                                        <p:cTn id="43" dur="1" fill="hold">
+                                          <p:stCondLst>
+                                            <p:cond delay="0"/>
+                                          </p:stCondLst>
+                                        </p:cTn>
+                                        <p:tgtEl>
+                                          <p:spTgt spid="3">
+                                            <p:txEl>
+                                              <p:pRg st="13" end="13"/>
+                                            </p:txEl>
+                                          </p:spTgt>
+                                        </p:tgtEl>
+                                        <p:attrNameLst>
+                                          <p:attrName>style.visibility</p:attrName>
+                                        </p:attrNameLst>
+                                      </p:cBhvr>
+                                      <p:to>
+                                        <p:strVal val="visible"/>
+                                      </p:to>
+                                    </p:set>
+                                    <p:animEffect transition="in" filter="fade">
+                                      <p:cBhvr>
+                                        <p:cTn id="44" dur="1000"/>
+                                        <p:tgtEl>
+                                          <p:spTgt spid="3">
+                                            <p:txEl>
+                                              <p:pRg st="13" end="13"/>
+                                            </p:txEl>
+                                          </p:spTgt>
+                                        </p:tgtEl>
+                                      </p:cBhvr>
+                                    </p:animEffect>
+                                    <p:anim calcmode="lin" valueType="num">
+                                      <p:cBhvr>
+                                        <p:cTn id="45" dur="1000" fill="hold"/>
+                                        <p:tgtEl>
+                                          <p:spTgt spid="3">
+                                            <p:txEl>
+                                              <p:pRg st="13" end="13"/>
+                                            </p:txEl>
+                                          </p:spTgt>
+                                        </p:tgtEl>
+                                        <p:attrNameLst>
+                                          <p:attrName>ppt_x</p:attrName>
+                                        </p:attrNameLst>
+                                      </p:cBhvr>
+                                      <p:tavLst>
+                                        <p:tav tm="0">
+                                          <p:val>
+                                            <p:strVal val="#ppt_x"/>
+                                          </p:val>
+                                        </p:tav>
+                                        <p:tav tm="100000">
+                                          <p:val>
+                                            <p:strVal val="#ppt_x"/>
+                                          </p:val>
+                                        </p:tav>
+                                      </p:tavLst>
+                                    </p:anim>
+                                    <p:anim calcmode="lin" valueType="num">
+                                      <p:cBhvr>
+                                        <p:cTn id="46" dur="1000" fill="hold"/>
+                                        <p:tgtEl>
+                                          <p:spTgt spid="3">
+                                            <p:txEl>
+                                              <p:pRg st="13" end="13"/>
+                                            </p:txEl>
+                                          </p:spTgt>
+                                        </p:tgtEl>
+                                        <p:attrNameLst>
+                                          <p:attrName>ppt_y</p:attrName>
+                                        </p:attrNameLst>
+                                      </p:cBhvr>
+                                      <p:tavLst>
+                                        <p:tav tm="0">
+                                          <p:val>
+                                            <p:strVal val="#ppt_y+.1"/>
+                                          </p:val>
+                                        </p:tav>
+                                        <p:tav tm="100000">
+                                          <p:val>
+                                            <p:strVal val="#ppt_y"/>
+                                          </p:val>
+                                        </p:tav>
+                                      </p:tavLst>
+                                    </p:anim>
+                                  </p:childTnLst>
+                                </p:cTn>
+                              </p:par>
+                            </p:childTnLst>
+                          </p:cTn>
+                        </p:par>
+                        <p:par>
+                          <p:cTn id="47" fill="hold">
+                            <p:stCondLst>
+                              <p:cond delay="6000"/>
+                            </p:stCondLst>
+                            <p:childTnLst>
+                              <p:par>
+                                <p:cTn id="48" presetID="42" presetClass="entr" presetSubtype="0" fill="hold" nodeType="afterEffect">
+                                  <p:stCondLst>
+                                    <p:cond delay="0"/>
+                                  </p:stCondLst>
+                                  <p:childTnLst>
+                                    <p:set>
+                                      <p:cBhvr>
+                                        <p:cTn id="49" dur="1" fill="hold">
+                                          <p:stCondLst>
+                                            <p:cond delay="0"/>
+                                          </p:stCondLst>
+                                        </p:cTn>
+                                        <p:tgtEl>
+                                          <p:spTgt spid="3">
+                                            <p:txEl>
+                                              <p:pRg st="14" end="14"/>
+                                            </p:txEl>
+                                          </p:spTgt>
+                                        </p:tgtEl>
+                                        <p:attrNameLst>
+                                          <p:attrName>style.visibility</p:attrName>
+                                        </p:attrNameLst>
+                                      </p:cBhvr>
+                                      <p:to>
+                                        <p:strVal val="visible"/>
+                                      </p:to>
+                                    </p:set>
+                                    <p:animEffect transition="in" filter="fade">
+                                      <p:cBhvr>
+                                        <p:cTn id="50" dur="1000"/>
+                                        <p:tgtEl>
+                                          <p:spTgt spid="3">
+                                            <p:txEl>
+                                              <p:pRg st="14" end="14"/>
+                                            </p:txEl>
+                                          </p:spTgt>
+                                        </p:tgtEl>
+                                      </p:cBhvr>
+                                    </p:animEffect>
+                                    <p:anim calcmode="lin" valueType="num">
+                                      <p:cBhvr>
                                         <p:cTn id="51" dur="1000" fill="hold"/>
                                         <p:tgtEl>
                                           <p:spTgt spid="3">
                                             <p:txEl>
-                                              <p:pRg st="9" end="9"/>
+                                              <p:pRg st="14" end="14"/>
+                                            </p:txEl>
+                                          </p:spTgt>
+                                        </p:tgtEl>
+                                        <p:attrNameLst>
+                                          <p:attrName>ppt_x</p:attrName>
+                                        </p:attrNameLst>
+                                      </p:cBhvr>
+                                      <p:tavLst>
+                                        <p:tav tm="0">
+                                          <p:val>
+                                            <p:strVal val="#ppt_x"/>
+                                          </p:val>
+                                        </p:tav>
+                                        <p:tav tm="100000">
+                                          <p:val>
+                                            <p:strVal val="#ppt_x"/>
+                                          </p:val>
+                                        </p:tav>
+                                      </p:tavLst>
+                                    </p:anim>
+                                    <p:anim calcmode="lin" valueType="num">
+                                      <p:cBhvr>
+                                        <p:cTn id="52" dur="1000" fill="hold"/>
+                                        <p:tgtEl>
+                                          <p:spTgt spid="3">
+                                            <p:txEl>
+                                              <p:pRg st="14" end="14"/>
                                             </p:txEl>
                                           </p:spTgt>
                                         </p:tgtEl>
@@ -4987,6 +5223,16 @@
               <a:t>、</a:t>
             </a:r>
             <a:r>
+              <a:rPr lang="zh-TW" altLang="en-US" dirty="0" smtClean="0">
+                <a:solidFill>
+                  <a:srgbClr val="0000FF"/>
+                </a:solidFill>
+                <a:latin typeface="標楷體" panose="03000509000000000000" pitchFamily="65" charset="-120"/>
+                <a:ea typeface="標楷體" panose="03000509000000000000" pitchFamily="65" charset="-120"/>
+              </a:rPr>
+              <a:t>多上網蒐</a:t>
+            </a:r>
+            <a:r>
               <a:rPr lang="zh-TW" altLang="en-US" dirty="0">
                 <a:solidFill>
                   <a:srgbClr val="0000FF"/>
@@ -4994,7 +5240,7 @@
                 <a:latin typeface="標楷體" panose="03000509000000000000" pitchFamily="65" charset="-120"/>
                 <a:ea typeface="標楷體" panose="03000509000000000000" pitchFamily="65" charset="-120"/>
               </a:rPr>
-              <a:t>多蒐尋</a:t>
+              <a:t>尋</a:t>
             </a:r>
             <a:r>
               <a:rPr lang="zh-TW" altLang="en-US" dirty="0">
@@ -5200,6 +5446,45 @@
               </a:rPr>
               <a:t>W3School</a:t>
             </a:r>
+            <a:r>
+              <a:rPr lang="zh-TW" altLang="en-US" dirty="0" smtClean="0">
+                <a:latin typeface="標楷體" panose="03000509000000000000" pitchFamily="65" charset="-120"/>
+                <a:ea typeface="標楷體" panose="03000509000000000000" pitchFamily="65" charset="-120"/>
+              </a:rPr>
+              <a:t>、</a:t>
+            </a:r>
+            <a:r>
+              <a:rPr lang="en-US" altLang="zh-TW" dirty="0" err="1" smtClean="0">
+                <a:latin typeface="標楷體" panose="03000509000000000000" pitchFamily="65" charset="-120"/>
+                <a:ea typeface="標楷體" panose="03000509000000000000" pitchFamily="65" charset="-120"/>
+              </a:rPr>
+              <a:t>Kaggle</a:t>
+            </a:r>
+            <a:r>
+              <a:rPr lang="zh-TW" altLang="en-US" dirty="0">
+                <a:latin typeface="標楷體" panose="03000509000000000000" pitchFamily="65" charset="-120"/>
+                <a:ea typeface="標楷體" panose="03000509000000000000" pitchFamily="65" charset="-120"/>
+              </a:rPr>
+              <a:t>、</a:t>
+            </a:r>
+            <a:r>
+              <a:rPr lang="en-US" altLang="zh-TW" dirty="0" err="1" smtClean="0">
+                <a:latin typeface="標楷體" panose="03000509000000000000" pitchFamily="65" charset="-120"/>
+                <a:ea typeface="標楷體" panose="03000509000000000000" pitchFamily="65" charset="-120"/>
+              </a:rPr>
+              <a:t>cikit</a:t>
+            </a:r>
+            <a:r>
+              <a:rPr lang="en-US" altLang="zh-TW" dirty="0" smtClean="0">
+                <a:latin typeface="標楷體" panose="03000509000000000000" pitchFamily="65" charset="-120"/>
+                <a:ea typeface="標楷體" panose="03000509000000000000" pitchFamily="65" charset="-120"/>
+              </a:rPr>
+              <a:t>-learn</a:t>
+            </a:r>
+            <a:endParaRPr lang="en-US" altLang="zh-TW" dirty="0" smtClean="0">
+              <a:latin typeface="標楷體" panose="03000509000000000000" pitchFamily="65" charset="-120"/>
+              <a:ea typeface="標楷體" panose="03000509000000000000" pitchFamily="65" charset="-120"/>
+            </a:endParaRPr>
           </a:p>
           <a:p>
             <a:pPr lvl="2"/>
